--- a/cucumber/(JS)Suggested Best Practices.pptx
+++ b/cucumber/(JS)Suggested Best Practices.pptx
@@ -5,10 +5,10 @@
     <p:sldMasterId id="2147483648" r:id="rId1"/>
   </p:sldMasterIdLst>
   <p:notesMasterIdLst>
-    <p:notesMasterId r:id="rId34"/>
+    <p:notesMasterId r:id="rId36"/>
   </p:notesMasterIdLst>
   <p:handoutMasterIdLst>
-    <p:handoutMasterId r:id="rId35"/>
+    <p:handoutMasterId r:id="rId37"/>
   </p:handoutMasterIdLst>
   <p:sldIdLst>
     <p:sldId id="256" r:id="rId2"/>
@@ -35,14 +35,16 @@
     <p:sldId id="311" r:id="rId23"/>
     <p:sldId id="312" r:id="rId24"/>
     <p:sldId id="313" r:id="rId25"/>
-    <p:sldId id="287" r:id="rId26"/>
-    <p:sldId id="288" r:id="rId27"/>
-    <p:sldId id="289" r:id="rId28"/>
-    <p:sldId id="290" r:id="rId29"/>
-    <p:sldId id="292" r:id="rId30"/>
-    <p:sldId id="291" r:id="rId31"/>
-    <p:sldId id="308" r:id="rId32"/>
-    <p:sldId id="280" r:id="rId33"/>
+    <p:sldId id="315" r:id="rId26"/>
+    <p:sldId id="316" r:id="rId27"/>
+    <p:sldId id="287" r:id="rId28"/>
+    <p:sldId id="288" r:id="rId29"/>
+    <p:sldId id="289" r:id="rId30"/>
+    <p:sldId id="290" r:id="rId31"/>
+    <p:sldId id="292" r:id="rId32"/>
+    <p:sldId id="291" r:id="rId33"/>
+    <p:sldId id="308" r:id="rId34"/>
+    <p:sldId id="280" r:id="rId35"/>
   </p:sldIdLst>
   <p:sldSz cx="12192000" cy="6858000"/>
   <p:notesSz cx="7315200" cy="9601200"/>
@@ -242,7 +244,7 @@
           <a:p>
             <a:fld id="{9755D4B1-9DCA-4E3F-AAD5-8BF99062DCE1}" type="datetimeFigureOut">
               <a:rPr lang="en-US" smtClean="0"/>
-              <a:t>5/18/2017</a:t>
+              <a:t>5/22/2017</a:t>
             </a:fld>
             <a:endParaRPr lang="en-US"/>
           </a:p>
@@ -407,7 +409,7 @@
           <a:p>
             <a:fld id="{C7332281-563B-40DE-B869-7269C9762D99}" type="datetimeFigureOut">
               <a:rPr lang="en-US" smtClean="0"/>
-              <a:t>5/18/2017</a:t>
+              <a:t>5/22/2017</a:t>
             </a:fld>
             <a:endParaRPr lang="en-US"/>
           </a:p>
@@ -2294,53 +2296,24 @@
           <a:bodyPr/>
           <a:lstStyle/>
           <a:p>
-            <a:pPr lvl="1"/>
             <a:r>
               <a:rPr lang="en-US" sz="1300" dirty="0"/>
-              <a:t>Be constant with your language.  </a:t>
-            </a:r>
-          </a:p>
-          <a:p>
-            <a:pPr lvl="1"/>
+              <a:t>If you have a large amount of data which needs to be validated in your tests it is best practice to reference an external data source such as a JSON file.</a:t>
+            </a:r>
+          </a:p>
+          <a:p>
+            <a:endParaRPr lang="en-US" sz="1300" dirty="0"/>
+          </a:p>
+          <a:p>
             <a:r>
               <a:rPr lang="en-US" sz="1300" dirty="0"/>
-              <a:t>Use parameters and make them clear</a:t>
-            </a:r>
-          </a:p>
-          <a:p>
-            <a:pPr lvl="1"/>
-            <a:r>
-              <a:rPr lang="en-US" sz="1300" dirty="0"/>
-              <a:t>Make sure that if your steps do the same thing that they are worded the exact same way</a:t>
-            </a:r>
-          </a:p>
-          <a:p>
-            <a:pPr lvl="1"/>
-            <a:r>
-              <a:rPr lang="en-US" sz="1300" dirty="0"/>
-              <a:t>Follow the 5 rules of modulatory</a:t>
-            </a:r>
-          </a:p>
-          <a:p>
-            <a:pPr lvl="1"/>
-            <a:r>
-              <a:rPr lang="en-US" sz="1300" dirty="0"/>
-              <a:t>Modularity will help make automation of these scripts easier because it will allow the use of modern frameworks and eliminate code duplication</a:t>
-            </a:r>
-          </a:p>
-          <a:p>
-            <a:pPr lvl="1"/>
-            <a:r>
-              <a:rPr lang="en-US" sz="1300" dirty="0"/>
-              <a:t>It will be easier to read and create the gherkin</a:t>
-            </a:r>
-          </a:p>
-          <a:p>
-            <a:pPr lvl="0"/>
-            <a:r>
-              <a:rPr lang="en-US" sz="1300" dirty="0"/>
-              <a:t>It will help all the projects get on the same page</a:t>
-            </a:r>
+              <a:t>For example a</a:t>
+            </a:r>
+            <a:r>
+              <a:rPr lang="en-US" sz="1300" baseline="0" dirty="0"/>
+              <a:t> test where you need to verify user account data would likely contain a lot of data and thus would be best suited to be read from a JSON file</a:t>
+            </a:r>
+            <a:endParaRPr lang="en-US" dirty="0"/>
           </a:p>
         </p:txBody>
       </p:sp>
@@ -2370,7 +2343,7 @@
     </p:spTree>
     <p:extLst>
       <p:ext uri="{BB962C8B-B14F-4D97-AF65-F5344CB8AC3E}">
-        <p14:creationId xmlns:p14="http://schemas.microsoft.com/office/powerpoint/2010/main" val="3755350520"/>
+        <p14:creationId xmlns:p14="http://schemas.microsoft.com/office/powerpoint/2010/main" val="3655709798"/>
       </p:ext>
     </p:extLst>
   </p:cSld>
@@ -2424,18 +2397,7 @@
           <a:bodyPr/>
           <a:lstStyle/>
           <a:p>
-            <a:pPr lvl="0"/>
-            <a:r>
-              <a:rPr lang="en-US" sz="1300" dirty="0"/>
-              <a:t>When determining if steps are different or not you should ignore the keywords (i.e. Given When Then…) Cucumber ignores these when matching a step definition.  Just because one has a Given and one has a When it does not make them 2 different behaviors and the step definition would be a common single step definition if done properly</a:t>
-            </a:r>
-          </a:p>
-          <a:p>
-            <a:pPr lvl="0"/>
-            <a:r>
-              <a:rPr lang="en-US" sz="1300" dirty="0"/>
-              <a:t>Add quotes to make if obvious if something can be swapped out.</a:t>
-            </a:r>
+            <a:endParaRPr lang="en-US" dirty="0"/>
           </a:p>
         </p:txBody>
       </p:sp>
@@ -2465,7 +2427,7 @@
     </p:spTree>
     <p:extLst>
       <p:ext uri="{BB962C8B-B14F-4D97-AF65-F5344CB8AC3E}">
-        <p14:creationId xmlns:p14="http://schemas.microsoft.com/office/powerpoint/2010/main" val="3272386182"/>
+        <p14:creationId xmlns:p14="http://schemas.microsoft.com/office/powerpoint/2010/main" val="1223038388"/>
       </p:ext>
     </p:extLst>
   </p:cSld>
@@ -2519,31 +2481,52 @@
           <a:bodyPr/>
           <a:lstStyle/>
           <a:p>
+            <a:pPr lvl="1"/>
+            <a:r>
+              <a:rPr lang="en-US" sz="1300" dirty="0"/>
+              <a:t>Be constant with your language.  </a:t>
+            </a:r>
+          </a:p>
+          <a:p>
+            <a:pPr lvl="1"/>
+            <a:r>
+              <a:rPr lang="en-US" sz="1300" dirty="0"/>
+              <a:t>Use parameters and make them clear</a:t>
+            </a:r>
+          </a:p>
+          <a:p>
+            <a:pPr lvl="1"/>
+            <a:r>
+              <a:rPr lang="en-US" sz="1300" dirty="0"/>
+              <a:t>Make sure that if your steps do the same thing that they are worded the exact same way</a:t>
+            </a:r>
+          </a:p>
+          <a:p>
+            <a:pPr lvl="1"/>
+            <a:r>
+              <a:rPr lang="en-US" sz="1300" dirty="0"/>
+              <a:t>Follow the 5 rules of modulatory</a:t>
+            </a:r>
+          </a:p>
+          <a:p>
+            <a:pPr lvl="1"/>
+            <a:r>
+              <a:rPr lang="en-US" sz="1300" dirty="0"/>
+              <a:t>Modularity will help make automation of these scripts easier because it will allow the use of modern frameworks and eliminate code duplication</a:t>
+            </a:r>
+          </a:p>
+          <a:p>
+            <a:pPr lvl="1"/>
+            <a:r>
+              <a:rPr lang="en-US" sz="1300" dirty="0"/>
+              <a:t>It will be easier to read and create the gherkin</a:t>
+            </a:r>
+          </a:p>
+          <a:p>
             <a:pPr lvl="0"/>
             <a:r>
               <a:rPr lang="en-US" sz="1300" dirty="0"/>
-              <a:t>Cucumber uses regular expressions to match your steps. If you are not consistent with your wording than either.  The regular expression must be updated to take all your possible wordings into account</a:t>
-            </a:r>
-          </a:p>
-          <a:p>
-            <a:pPr lvl="1"/>
-            <a:r>
-              <a:rPr lang="en-US" sz="1300" dirty="0"/>
-              <a:t>Which leads to code duplication</a:t>
-            </a:r>
-          </a:p>
-          <a:p>
-            <a:pPr lvl="1"/>
-            <a:r>
-              <a:rPr lang="en-US" sz="1300" dirty="0"/>
-              <a:t>Which leads to unmaintainable tests</a:t>
-            </a:r>
-          </a:p>
-          <a:p>
-            <a:pPr lvl="0"/>
-            <a:r>
-              <a:rPr lang="en-US" sz="1300" dirty="0"/>
-              <a:t>Or the developer must update your steps to make them consistent.</a:t>
+              <a:t>It will help all the projects get on the same page</a:t>
             </a:r>
           </a:p>
         </p:txBody>
@@ -2574,7 +2557,7 @@
     </p:spTree>
     <p:extLst>
       <p:ext uri="{BB962C8B-B14F-4D97-AF65-F5344CB8AC3E}">
-        <p14:creationId xmlns:p14="http://schemas.microsoft.com/office/powerpoint/2010/main" val="60795094"/>
+        <p14:creationId xmlns:p14="http://schemas.microsoft.com/office/powerpoint/2010/main" val="3755350520"/>
       </p:ext>
     </p:extLst>
   </p:cSld>
@@ -2631,21 +2614,14 @@
             <a:pPr lvl="0"/>
             <a:r>
               <a:rPr lang="en-US" sz="1300" dirty="0"/>
-              <a:t>When developing an application or an automation test suite it is common practice to down case all data in which case is not a factor.</a:t>
+              <a:t>When determining if steps are different or not you should ignore the keywords (i.e. Given When Then…) Cucumber ignores these when matching a step definition.  Just because one has a Given and one has a When it does not make them 2 different behaviors and the step definition would be a common single step definition if done properly</a:t>
             </a:r>
           </a:p>
           <a:p>
             <a:pPr lvl="0"/>
             <a:r>
               <a:rPr lang="en-US" sz="1300" dirty="0"/>
-              <a:t>It is suggested to keep your variables and headers all lowercase and underscore separated</a:t>
-            </a:r>
-          </a:p>
-          <a:p>
-            <a:pPr lvl="0"/>
-            <a:r>
-              <a:rPr lang="en-US" sz="1300" dirty="0"/>
-              <a:t>Use spaces to format tables since tabs render differently in various editors</a:t>
+              <a:t>Add quotes to make if obvious if something can be swapped out.</a:t>
             </a:r>
           </a:p>
         </p:txBody>
@@ -2676,7 +2652,7 @@
     </p:spTree>
     <p:extLst>
       <p:ext uri="{BB962C8B-B14F-4D97-AF65-F5344CB8AC3E}">
-        <p14:creationId xmlns:p14="http://schemas.microsoft.com/office/powerpoint/2010/main" val="2747554986"/>
+        <p14:creationId xmlns:p14="http://schemas.microsoft.com/office/powerpoint/2010/main" val="3272386182"/>
       </p:ext>
     </p:extLst>
   </p:cSld>
@@ -2733,35 +2709,28 @@
             <a:pPr lvl="0"/>
             <a:r>
               <a:rPr lang="en-US" sz="1300" dirty="0"/>
-              <a:t>Features and scenarios should never rely on other features or scenarios</a:t>
+              <a:t>Cucumber uses regular expressions to match your steps. If you are not consistent with your wording than either.  The regular expression must be updated to take all your possible wordings into account</a:t>
+            </a:r>
+          </a:p>
+          <a:p>
+            <a:pPr lvl="1"/>
+            <a:r>
+              <a:rPr lang="en-US" sz="1300" dirty="0"/>
+              <a:t>Which leads to code duplication</a:t>
+            </a:r>
+          </a:p>
+          <a:p>
+            <a:pPr lvl="1"/>
+            <a:r>
+              <a:rPr lang="en-US" sz="1300" dirty="0"/>
+              <a:t>Which leads to unmaintainable tests</a:t>
             </a:r>
           </a:p>
           <a:p>
             <a:pPr lvl="0"/>
             <a:r>
               <a:rPr lang="en-US" sz="1300" dirty="0"/>
-              <a:t>Each feature, scenario, and step should be independent.</a:t>
-            </a:r>
-          </a:p>
-          <a:p>
-            <a:pPr lvl="0"/>
-            <a:r>
-              <a:rPr lang="en-US" sz="1300" dirty="0"/>
-              <a:t>Features and Scenarios can not require data to be passed between them or anything to be done by another feature or scenario</a:t>
-            </a:r>
-          </a:p>
-          <a:p>
-            <a:pPr lvl="0"/>
-            <a:r>
-              <a:rPr lang="en-US" sz="1300" dirty="0"/>
-              <a:t>View all of your scenarios as if they were the only one which existed</a:t>
-            </a:r>
-          </a:p>
-          <a:p>
-            <a:pPr lvl="0"/>
-            <a:r>
-              <a:rPr lang="en-US" sz="1300" dirty="0"/>
-              <a:t>Steps can rely on other steps but should not share data</a:t>
+              <a:t>Or the developer must update your steps to make them consistent.</a:t>
             </a:r>
           </a:p>
         </p:txBody>
@@ -2792,7 +2761,7 @@
     </p:spTree>
     <p:extLst>
       <p:ext uri="{BB962C8B-B14F-4D97-AF65-F5344CB8AC3E}">
-        <p14:creationId xmlns:p14="http://schemas.microsoft.com/office/powerpoint/2010/main" val="3820919971"/>
+        <p14:creationId xmlns:p14="http://schemas.microsoft.com/office/powerpoint/2010/main" val="60795094"/>
       </p:ext>
     </p:extLst>
   </p:cSld>
@@ -2948,18 +2917,23 @@
           <a:p>
             <a:pPr lvl="0"/>
             <a:r>
-              <a:rPr lang="en-US" sz="1300" b="1" dirty="0"/>
-              <a:t>Microsoft uses smart quotes so don’t use it to write your gherkin.  If you do then cleanse it before delivery</a:t>
-            </a:r>
-            <a:endParaRPr lang="en-US" sz="1300" dirty="0"/>
+              <a:rPr lang="en-US" sz="1300" dirty="0"/>
+              <a:t>When developing an application or an automation test suite it is common practice to down case all data in which case is not a factor.</a:t>
+            </a:r>
           </a:p>
           <a:p>
             <a:pPr lvl="0"/>
             <a:r>
-              <a:rPr lang="en-US" sz="1300" b="1" dirty="0"/>
-              <a:t>The smart quotes are not rendered in the same manner as the standard quote character</a:t>
-            </a:r>
-            <a:endParaRPr lang="en-US" sz="1300" dirty="0"/>
+              <a:rPr lang="en-US" sz="1300" dirty="0"/>
+              <a:t>It is suggested to keep your variables and headers all lowercase and underscore separated</a:t>
+            </a:r>
+          </a:p>
+          <a:p>
+            <a:pPr lvl="0"/>
+            <a:r>
+              <a:rPr lang="en-US" sz="1300" dirty="0"/>
+              <a:t>Use spaces to format tables since tabs render differently in various editors</a:t>
+            </a:r>
           </a:p>
         </p:txBody>
       </p:sp>
@@ -2989,7 +2963,7 @@
     </p:spTree>
     <p:extLst>
       <p:ext uri="{BB962C8B-B14F-4D97-AF65-F5344CB8AC3E}">
-        <p14:creationId xmlns:p14="http://schemas.microsoft.com/office/powerpoint/2010/main" val="1433112033"/>
+        <p14:creationId xmlns:p14="http://schemas.microsoft.com/office/powerpoint/2010/main" val="2747554986"/>
       </p:ext>
     </p:extLst>
   </p:cSld>
@@ -3043,7 +3017,39 @@
           <a:bodyPr/>
           <a:lstStyle/>
           <a:p>
-            <a:endParaRPr lang="en-US" baseline="0" dirty="0"/>
+            <a:pPr lvl="0"/>
+            <a:r>
+              <a:rPr lang="en-US" sz="1300" dirty="0"/>
+              <a:t>Features and scenarios should never rely on other features or scenarios</a:t>
+            </a:r>
+          </a:p>
+          <a:p>
+            <a:pPr lvl="0"/>
+            <a:r>
+              <a:rPr lang="en-US" sz="1300" dirty="0"/>
+              <a:t>Each feature, scenario, and step should be independent.</a:t>
+            </a:r>
+          </a:p>
+          <a:p>
+            <a:pPr lvl="0"/>
+            <a:r>
+              <a:rPr lang="en-US" sz="1300" dirty="0"/>
+              <a:t>Features and Scenarios can not require data to be passed between them or anything to be done by another feature or scenario</a:t>
+            </a:r>
+          </a:p>
+          <a:p>
+            <a:pPr lvl="0"/>
+            <a:r>
+              <a:rPr lang="en-US" sz="1300" dirty="0"/>
+              <a:t>View all of your scenarios as if they were the only one which existed</a:t>
+            </a:r>
+          </a:p>
+          <a:p>
+            <a:pPr lvl="0"/>
+            <a:r>
+              <a:rPr lang="en-US" sz="1300" dirty="0"/>
+              <a:t>Steps can rely on other steps but should not share data</a:t>
+            </a:r>
           </a:p>
         </p:txBody>
       </p:sp>
@@ -3073,7 +3079,7 @@
     </p:spTree>
     <p:extLst>
       <p:ext uri="{BB962C8B-B14F-4D97-AF65-F5344CB8AC3E}">
-        <p14:creationId xmlns:p14="http://schemas.microsoft.com/office/powerpoint/2010/main" val="1433112033"/>
+        <p14:creationId xmlns:p14="http://schemas.microsoft.com/office/powerpoint/2010/main" val="3820919971"/>
       </p:ext>
     </p:extLst>
   </p:cSld>
@@ -3127,16 +3133,20 @@
           <a:bodyPr/>
           <a:lstStyle/>
           <a:p>
-            <a:r>
-              <a:rPr lang="en-US" baseline="0" dirty="0"/>
-              <a:t>The parameters from the step can be used in the implantation language. </a:t>
-            </a:r>
-          </a:p>
-          <a:p>
-            <a:r>
-              <a:rPr lang="en-US" baseline="0" dirty="0"/>
-              <a:t> In this example I am using Ruby with a page object model.</a:t>
-            </a:r>
+            <a:pPr lvl="0"/>
+            <a:r>
+              <a:rPr lang="en-US" sz="1300" b="1" dirty="0"/>
+              <a:t>Microsoft uses smart quotes so don’t use it to write your gherkin.  If you do then cleanse it before delivery</a:t>
+            </a:r>
+            <a:endParaRPr lang="en-US" sz="1300" dirty="0"/>
+          </a:p>
+          <a:p>
+            <a:pPr lvl="0"/>
+            <a:r>
+              <a:rPr lang="en-US" sz="1300" b="1" dirty="0"/>
+              <a:t>The smart quotes are not rendered in the same manner as the standard quote character</a:t>
+            </a:r>
+            <a:endParaRPr lang="en-US" sz="1300" dirty="0"/>
           </a:p>
         </p:txBody>
       </p:sp>
@@ -3158,6 +3168,183 @@
             <a:fld id="{2BE27212-2C86-46BA-911A-2D09A9F2526F}" type="slidenum">
               <a:rPr lang="en-US" smtClean="0"/>
               <a:t>32</a:t>
+            </a:fld>
+            <a:endParaRPr lang="en-US"/>
+          </a:p>
+        </p:txBody>
+      </p:sp>
+    </p:spTree>
+    <p:extLst>
+      <p:ext uri="{BB962C8B-B14F-4D97-AF65-F5344CB8AC3E}">
+        <p14:creationId xmlns:p14="http://schemas.microsoft.com/office/powerpoint/2010/main" val="1433112033"/>
+      </p:ext>
+    </p:extLst>
+  </p:cSld>
+  <p:clrMapOvr>
+    <a:masterClrMapping/>
+  </p:clrMapOvr>
+</p:notes>
+</file>
+
+<file path=ppt/notesSlides/notesSlide33.xml><?xml version="1.0" encoding="utf-8"?>
+<p:notes xmlns:a="http://schemas.openxmlformats.org/drawingml/2006/main" xmlns:r="http://schemas.openxmlformats.org/officeDocument/2006/relationships" xmlns:p="http://schemas.openxmlformats.org/presentationml/2006/main">
+  <p:cSld>
+    <p:spTree>
+      <p:nvGrpSpPr>
+        <p:cNvPr id="1" name=""/>
+        <p:cNvGrpSpPr/>
+        <p:nvPr/>
+      </p:nvGrpSpPr>
+      <p:grpSpPr>
+        <a:xfrm>
+          <a:off x="0" y="0"/>
+          <a:ext cx="0" cy="0"/>
+          <a:chOff x="0" y="0"/>
+          <a:chExt cx="0" cy="0"/>
+        </a:xfrm>
+      </p:grpSpPr>
+      <p:sp>
+        <p:nvSpPr>
+          <p:cNvPr id="2" name="Slide Image Placeholder 1"/>
+          <p:cNvSpPr>
+            <a:spLocks noGrp="1" noRot="1" noChangeAspect="1"/>
+          </p:cNvSpPr>
+          <p:nvPr>
+            <p:ph type="sldImg"/>
+          </p:nvPr>
+        </p:nvSpPr>
+        <p:spPr/>
+      </p:sp>
+      <p:sp>
+        <p:nvSpPr>
+          <p:cNvPr id="3" name="Notes Placeholder 2"/>
+          <p:cNvSpPr>
+            <a:spLocks noGrp="1"/>
+          </p:cNvSpPr>
+          <p:nvPr>
+            <p:ph type="body" idx="1"/>
+          </p:nvPr>
+        </p:nvSpPr>
+        <p:spPr/>
+        <p:txBody>
+          <a:bodyPr/>
+          <a:lstStyle/>
+          <a:p>
+            <a:endParaRPr lang="en-US" baseline="0" dirty="0"/>
+          </a:p>
+        </p:txBody>
+      </p:sp>
+      <p:sp>
+        <p:nvSpPr>
+          <p:cNvPr id="4" name="Slide Number Placeholder 3"/>
+          <p:cNvSpPr>
+            <a:spLocks noGrp="1"/>
+          </p:cNvSpPr>
+          <p:nvPr>
+            <p:ph type="sldNum" sz="quarter" idx="10"/>
+          </p:nvPr>
+        </p:nvSpPr>
+        <p:spPr/>
+        <p:txBody>
+          <a:bodyPr/>
+          <a:lstStyle/>
+          <a:p>
+            <a:fld id="{2BE27212-2C86-46BA-911A-2D09A9F2526F}" type="slidenum">
+              <a:rPr lang="en-US" smtClean="0"/>
+              <a:t>33</a:t>
+            </a:fld>
+            <a:endParaRPr lang="en-US"/>
+          </a:p>
+        </p:txBody>
+      </p:sp>
+    </p:spTree>
+    <p:extLst>
+      <p:ext uri="{BB962C8B-B14F-4D97-AF65-F5344CB8AC3E}">
+        <p14:creationId xmlns:p14="http://schemas.microsoft.com/office/powerpoint/2010/main" val="1433112033"/>
+      </p:ext>
+    </p:extLst>
+  </p:cSld>
+  <p:clrMapOvr>
+    <a:masterClrMapping/>
+  </p:clrMapOvr>
+</p:notes>
+</file>
+
+<file path=ppt/notesSlides/notesSlide34.xml><?xml version="1.0" encoding="utf-8"?>
+<p:notes xmlns:a="http://schemas.openxmlformats.org/drawingml/2006/main" xmlns:r="http://schemas.openxmlformats.org/officeDocument/2006/relationships" xmlns:p="http://schemas.openxmlformats.org/presentationml/2006/main">
+  <p:cSld>
+    <p:spTree>
+      <p:nvGrpSpPr>
+        <p:cNvPr id="1" name=""/>
+        <p:cNvGrpSpPr/>
+        <p:nvPr/>
+      </p:nvGrpSpPr>
+      <p:grpSpPr>
+        <a:xfrm>
+          <a:off x="0" y="0"/>
+          <a:ext cx="0" cy="0"/>
+          <a:chOff x="0" y="0"/>
+          <a:chExt cx="0" cy="0"/>
+        </a:xfrm>
+      </p:grpSpPr>
+      <p:sp>
+        <p:nvSpPr>
+          <p:cNvPr id="2" name="Slide Image Placeholder 1"/>
+          <p:cNvSpPr>
+            <a:spLocks noGrp="1" noRot="1" noChangeAspect="1"/>
+          </p:cNvSpPr>
+          <p:nvPr>
+            <p:ph type="sldImg"/>
+          </p:nvPr>
+        </p:nvSpPr>
+        <p:spPr/>
+      </p:sp>
+      <p:sp>
+        <p:nvSpPr>
+          <p:cNvPr id="3" name="Notes Placeholder 2"/>
+          <p:cNvSpPr>
+            <a:spLocks noGrp="1"/>
+          </p:cNvSpPr>
+          <p:nvPr>
+            <p:ph type="body" idx="1"/>
+          </p:nvPr>
+        </p:nvSpPr>
+        <p:spPr/>
+        <p:txBody>
+          <a:bodyPr/>
+          <a:lstStyle/>
+          <a:p>
+            <a:r>
+              <a:rPr lang="en-US" baseline="0" dirty="0"/>
+              <a:t>The parameters from the step can be used in the implantation language. </a:t>
+            </a:r>
+          </a:p>
+          <a:p>
+            <a:r>
+              <a:rPr lang="en-US" baseline="0" dirty="0"/>
+              <a:t> In this example I am using Ruby with a page object model.</a:t>
+            </a:r>
+          </a:p>
+        </p:txBody>
+      </p:sp>
+      <p:sp>
+        <p:nvSpPr>
+          <p:cNvPr id="4" name="Slide Number Placeholder 3"/>
+          <p:cNvSpPr>
+            <a:spLocks noGrp="1"/>
+          </p:cNvSpPr>
+          <p:nvPr>
+            <p:ph type="sldNum" sz="quarter" idx="10"/>
+          </p:nvPr>
+        </p:nvSpPr>
+        <p:spPr/>
+        <p:txBody>
+          <a:bodyPr/>
+          <a:lstStyle/>
+          <a:p>
+            <a:fld id="{2BE27212-2C86-46BA-911A-2D09A9F2526F}" type="slidenum">
+              <a:rPr lang="en-US" smtClean="0"/>
+              <a:t>34</a:t>
             </a:fld>
             <a:endParaRPr lang="en-US"/>
           </a:p>
@@ -4484,7 +4671,7 @@
             <a:fld id="{B61BEF0D-F0BB-DE4B-95CE-6DB70DBA9567}" type="datetimeFigureOut">
               <a:rPr lang="en-US" dirty="0"/>
               <a:pPr/>
-              <a:t>5/18/2017</a:t>
+              <a:t>5/22/2017</a:t>
             </a:fld>
             <a:endParaRPr lang="en-US" dirty="0"/>
           </a:p>
@@ -4732,7 +4919,7 @@
             <a:fld id="{B61BEF0D-F0BB-DE4B-95CE-6DB70DBA9567}" type="datetimeFigureOut">
               <a:rPr lang="en-US" dirty="0"/>
               <a:pPr/>
-              <a:t>5/18/2017</a:t>
+              <a:t>5/22/2017</a:t>
             </a:fld>
             <a:endParaRPr lang="en-US" dirty="0"/>
           </a:p>
@@ -5043,7 +5230,7 @@
             <a:fld id="{B61BEF0D-F0BB-DE4B-95CE-6DB70DBA9567}" type="datetimeFigureOut">
               <a:rPr lang="en-US" dirty="0"/>
               <a:pPr/>
-              <a:t>5/18/2017</a:t>
+              <a:t>5/22/2017</a:t>
             </a:fld>
             <a:endParaRPr lang="en-US" dirty="0"/>
           </a:p>
@@ -5381,7 +5568,7 @@
             <a:fld id="{B61BEF0D-F0BB-DE4B-95CE-6DB70DBA9567}" type="datetimeFigureOut">
               <a:rPr lang="en-US" dirty="0"/>
               <a:pPr/>
-              <a:t>5/18/2017</a:t>
+              <a:t>5/22/2017</a:t>
             </a:fld>
             <a:endParaRPr lang="en-US" dirty="0"/>
           </a:p>
@@ -5692,7 +5879,7 @@
             <a:fld id="{B61BEF0D-F0BB-DE4B-95CE-6DB70DBA9567}" type="datetimeFigureOut">
               <a:rPr lang="en-US" dirty="0"/>
               <a:pPr/>
-              <a:t>5/18/2017</a:t>
+              <a:t>5/22/2017</a:t>
             </a:fld>
             <a:endParaRPr lang="en-US" dirty="0"/>
           </a:p>
@@ -6082,7 +6269,7 @@
             <a:fld id="{B61BEF0D-F0BB-DE4B-95CE-6DB70DBA9567}" type="datetimeFigureOut">
               <a:rPr lang="en-US" dirty="0"/>
               <a:pPr/>
-              <a:t>5/18/2017</a:t>
+              <a:t>5/22/2017</a:t>
             </a:fld>
             <a:endParaRPr lang="en-US" dirty="0"/>
           </a:p>
@@ -6248,7 +6435,7 @@
           <a:p>
             <a:fld id="{55C6B4A9-1611-4792-9094-5F34BCA07E0B}" type="datetimeFigureOut">
               <a:rPr lang="en-US" dirty="0"/>
-              <a:t>5/18/2017</a:t>
+              <a:t>5/22/2017</a:t>
             </a:fld>
             <a:endParaRPr lang="en-US" dirty="0"/>
           </a:p>
@@ -6424,7 +6611,7 @@
             <a:fld id="{B61BEF0D-F0BB-DE4B-95CE-6DB70DBA9567}" type="datetimeFigureOut">
               <a:rPr lang="en-US" dirty="0"/>
               <a:pPr/>
-              <a:t>5/18/2017</a:t>
+              <a:t>5/22/2017</a:t>
             </a:fld>
             <a:endParaRPr lang="en-US" dirty="0"/>
           </a:p>
@@ -6597,7 +6784,7 @@
             <a:fld id="{B61BEF0D-F0BB-DE4B-95CE-6DB70DBA9567}" type="datetimeFigureOut">
               <a:rPr lang="en-US" dirty="0"/>
               <a:pPr/>
-              <a:t>5/18/2017</a:t>
+              <a:t>5/22/2017</a:t>
             </a:fld>
             <a:endParaRPr lang="en-US" dirty="0"/>
           </a:p>
@@ -6841,7 +7028,7 @@
             <a:fld id="{B61BEF0D-F0BB-DE4B-95CE-6DB70DBA9567}" type="datetimeFigureOut">
               <a:rPr lang="en-US" dirty="0"/>
               <a:pPr/>
-              <a:t>5/18/2017</a:t>
+              <a:t>5/22/2017</a:t>
             </a:fld>
             <a:endParaRPr lang="en-US" dirty="0"/>
           </a:p>
@@ -7069,7 +7256,7 @@
           <a:p>
             <a:fld id="{EB712588-04B1-427B-82EE-E8DB90309F08}" type="datetimeFigureOut">
               <a:rPr lang="en-US" dirty="0"/>
-              <a:t>5/18/2017</a:t>
+              <a:t>5/22/2017</a:t>
             </a:fld>
             <a:endParaRPr lang="en-US" dirty="0"/>
           </a:p>
@@ -7439,7 +7626,7 @@
             <a:fld id="{B61BEF0D-F0BB-DE4B-95CE-6DB70DBA9567}" type="datetimeFigureOut">
               <a:rPr lang="en-US" dirty="0"/>
               <a:pPr/>
-              <a:t>5/18/2017</a:t>
+              <a:t>5/22/2017</a:t>
             </a:fld>
             <a:endParaRPr lang="en-US" dirty="0"/>
           </a:p>
@@ -7559,7 +7746,7 @@
             <a:fld id="{B61BEF0D-F0BB-DE4B-95CE-6DB70DBA9567}" type="datetimeFigureOut">
               <a:rPr lang="en-US" dirty="0"/>
               <a:pPr/>
-              <a:t>5/18/2017</a:t>
+              <a:t>5/22/2017</a:t>
             </a:fld>
             <a:endParaRPr lang="en-US" dirty="0"/>
           </a:p>
@@ -7651,7 +7838,7 @@
             <a:fld id="{B61BEF0D-F0BB-DE4B-95CE-6DB70DBA9567}" type="datetimeFigureOut">
               <a:rPr lang="en-US" dirty="0"/>
               <a:pPr/>
-              <a:t>5/18/2017</a:t>
+              <a:t>5/22/2017</a:t>
             </a:fld>
             <a:endParaRPr lang="en-US" dirty="0"/>
           </a:p>
@@ -7902,7 +8089,7 @@
           <a:p>
             <a:fld id="{42A54C80-263E-416B-A8E0-580EDEADCBDC}" type="datetimeFigureOut">
               <a:rPr lang="en-US" dirty="0"/>
-              <a:t>5/18/2017</a:t>
+              <a:t>5/22/2017</a:t>
             </a:fld>
             <a:endParaRPr lang="en-US" dirty="0"/>
           </a:p>
@@ -8161,7 +8348,7 @@
             <a:fld id="{B61BEF0D-F0BB-DE4B-95CE-6DB70DBA9567}" type="datetimeFigureOut">
               <a:rPr lang="en-US" dirty="0"/>
               <a:pPr/>
-              <a:t>5/18/2017</a:t>
+              <a:t>5/22/2017</a:t>
             </a:fld>
             <a:endParaRPr lang="en-US" dirty="0"/>
           </a:p>
@@ -8901,7 +9088,7 @@
             <a:fld id="{B61BEF0D-F0BB-DE4B-95CE-6DB70DBA9567}" type="datetimeFigureOut">
               <a:rPr lang="en-US" dirty="0"/>
               <a:pPr/>
-              <a:t>5/18/2017</a:t>
+              <a:t>5/22/2017</a:t>
             </a:fld>
             <a:endParaRPr lang="en-US" dirty="0"/>
           </a:p>
@@ -11690,17 +11877,12 @@
             </a:pPr>
             <a:r>
               <a:rPr lang="en-US" sz="2400" dirty="0"/>
-              <a:t>	</a:t>
-            </a:r>
-            <a:r>
-              <a:rPr lang="en-US" sz="2400" dirty="0"/>
-              <a:t> PROJECT_FEATURE_NUMBER example: </a:t>
+              <a:t>	 PROJECT_FEATURE_NUMBER example: </a:t>
             </a:r>
             <a:r>
               <a:rPr lang="en-US" sz="2400" b="1" dirty="0"/>
               <a:t>PEC_Login_1</a:t>
             </a:r>
-            <a:endParaRPr lang="en-US" sz="2400" b="1" dirty="0"/>
           </a:p>
         </p:txBody>
       </p:sp>
@@ -15201,149 +15383,7 @@
           <a:p>
             <a:r>
               <a:rPr lang="en-US" dirty="0"/>
-              <a:t>Make your steps modular	</a:t>
-            </a:r>
-          </a:p>
-        </p:txBody>
-      </p:sp>
-      <p:sp>
-        <p:nvSpPr>
-          <p:cNvPr id="3" name="Content Placeholder 2"/>
-          <p:cNvSpPr>
-            <a:spLocks noGrp="1"/>
-          </p:cNvSpPr>
-          <p:nvPr>
-            <p:ph idx="1"/>
-          </p:nvPr>
-        </p:nvSpPr>
-        <p:spPr>
-          <a:xfrm>
-            <a:off x="677334" y="1454214"/>
-            <a:ext cx="8886116" cy="1119075"/>
-          </a:xfrm>
-        </p:spPr>
-        <p:txBody>
-          <a:bodyPr>
-            <a:normAutofit/>
-          </a:bodyPr>
-          <a:lstStyle/>
-          <a:p>
-            <a:r>
-              <a:rPr lang="en-US" sz="2400" dirty="0"/>
-              <a:t>Be constant with your language.  </a:t>
-            </a:r>
-          </a:p>
-          <a:p>
-            <a:r>
-              <a:rPr lang="en-US" sz="2400" dirty="0"/>
-              <a:t>Use parameters and make them clear</a:t>
-            </a:r>
-          </a:p>
-          <a:p>
-            <a:pPr marL="0" indent="0">
-              <a:buNone/>
-            </a:pPr>
-            <a:endParaRPr lang="en-US" sz="2400" dirty="0"/>
-          </a:p>
-        </p:txBody>
-      </p:sp>
-      <p:sp>
-        <p:nvSpPr>
-          <p:cNvPr id="5" name="Title 1"/>
-          <p:cNvSpPr txBox="1">
-            <a:spLocks/>
-          </p:cNvSpPr>
-          <p:nvPr/>
-        </p:nvSpPr>
-        <p:spPr>
-          <a:xfrm>
-            <a:off x="677334" y="3034684"/>
-            <a:ext cx="1542083" cy="695417"/>
-          </a:xfrm>
-          <a:prstGeom prst="rect">
-            <a:avLst/>
-          </a:prstGeom>
-        </p:spPr>
-        <p:txBody>
-          <a:bodyPr vert="horz" lIns="91440" tIns="45720" rIns="91440" bIns="45720" rtlCol="0" anchor="t">
-            <a:normAutofit/>
-          </a:bodyPr>
-          <a:lstStyle>
-            <a:lvl1pPr algn="l" defTabSz="457200" rtl="0" eaLnBrk="1" latinLnBrk="0" hangingPunct="1">
-              <a:spcBef>
-                <a:spcPct val="0"/>
-              </a:spcBef>
-              <a:buNone/>
-              <a:defRPr sz="3600" kern="1200">
-                <a:solidFill>
-                  <a:schemeClr val="accent1"/>
-                </a:solidFill>
-                <a:latin typeface="+mj-lt"/>
-                <a:ea typeface="+mj-ea"/>
-                <a:cs typeface="+mj-cs"/>
-              </a:defRPr>
-            </a:lvl1pPr>
-            <a:lvl2pPr eaLnBrk="1" hangingPunct="1">
-              <a:defRPr>
-                <a:solidFill>
-                  <a:schemeClr val="tx2"/>
-                </a:solidFill>
-              </a:defRPr>
-            </a:lvl2pPr>
-            <a:lvl3pPr eaLnBrk="1" hangingPunct="1">
-              <a:defRPr>
-                <a:solidFill>
-                  <a:schemeClr val="tx2"/>
-                </a:solidFill>
-              </a:defRPr>
-            </a:lvl3pPr>
-            <a:lvl4pPr eaLnBrk="1" hangingPunct="1">
-              <a:defRPr>
-                <a:solidFill>
-                  <a:schemeClr val="tx2"/>
-                </a:solidFill>
-              </a:defRPr>
-            </a:lvl4pPr>
-            <a:lvl5pPr eaLnBrk="1" hangingPunct="1">
-              <a:defRPr>
-                <a:solidFill>
-                  <a:schemeClr val="tx2"/>
-                </a:solidFill>
-              </a:defRPr>
-            </a:lvl5pPr>
-            <a:lvl6pPr eaLnBrk="1" hangingPunct="1">
-              <a:defRPr>
-                <a:solidFill>
-                  <a:schemeClr val="tx2"/>
-                </a:solidFill>
-              </a:defRPr>
-            </a:lvl6pPr>
-            <a:lvl7pPr eaLnBrk="1" hangingPunct="1">
-              <a:defRPr>
-                <a:solidFill>
-                  <a:schemeClr val="tx2"/>
-                </a:solidFill>
-              </a:defRPr>
-            </a:lvl7pPr>
-            <a:lvl8pPr eaLnBrk="1" hangingPunct="1">
-              <a:defRPr>
-                <a:solidFill>
-                  <a:schemeClr val="tx2"/>
-                </a:solidFill>
-              </a:defRPr>
-            </a:lvl8pPr>
-            <a:lvl9pPr eaLnBrk="1" hangingPunct="1">
-              <a:defRPr>
-                <a:solidFill>
-                  <a:schemeClr val="tx2"/>
-                </a:solidFill>
-              </a:defRPr>
-            </a:lvl9pPr>
-          </a:lstStyle>
-          <a:p>
-            <a:r>
-              <a:rPr lang="en-US" dirty="0"/>
-              <a:t>Why? </a:t>
+              <a:t>Test Data – JSON Files</a:t>
             </a:r>
           </a:p>
         </p:txBody>
@@ -15442,291 +15482,95 @@
             </a:lvl9pPr>
           </a:lstStyle>
           <a:p>
-            <a:r>
-              <a:rPr lang="en-US" dirty="0"/>
-              <a:t>What? </a:t>
-            </a:r>
-          </a:p>
-        </p:txBody>
-      </p:sp>
-      <p:sp>
-        <p:nvSpPr>
-          <p:cNvPr id="7" name="Content Placeholder 2"/>
-          <p:cNvSpPr txBox="1">
-            <a:spLocks/>
-          </p:cNvSpPr>
-          <p:nvPr/>
+            <a:endParaRPr lang="en-US" dirty="0"/>
+          </a:p>
+        </p:txBody>
+      </p:sp>
+      <p:sp>
+        <p:nvSpPr>
+          <p:cNvPr id="3" name="Content Placeholder 2"/>
+          <p:cNvSpPr>
+            <a:spLocks noGrp="1"/>
+          </p:cNvSpPr>
+          <p:nvPr>
+            <p:ph idx="1"/>
+          </p:nvPr>
         </p:nvSpPr>
         <p:spPr>
           <a:xfrm>
-            <a:off x="677334" y="3631958"/>
-            <a:ext cx="8886116" cy="1632500"/>
+            <a:off x="677333" y="2160589"/>
+            <a:ext cx="10241037" cy="3880773"/>
           </a:xfrm>
-          <a:prstGeom prst="rect">
-            <a:avLst/>
-          </a:prstGeom>
         </p:spPr>
         <p:txBody>
-          <a:bodyPr vert="horz" lIns="91440" tIns="45720" rIns="91440" bIns="45720" rtlCol="0">
-            <a:normAutofit/>
-          </a:bodyPr>
-          <a:lstStyle>
-            <a:lvl1pPr marL="342900" indent="-342900" algn="l" defTabSz="457200" rtl="0" eaLnBrk="1" latinLnBrk="0" hangingPunct="1">
-              <a:spcBef>
-                <a:spcPts val="1000"/>
-              </a:spcBef>
-              <a:spcAft>
-                <a:spcPts val="0"/>
-              </a:spcAft>
-              <a:buClr>
-                <a:schemeClr val="accent1"/>
-              </a:buClr>
-              <a:buSzPct val="80000"/>
-              <a:buFont typeface="Wingdings 3" charset="2"/>
-              <a:buChar char=""/>
-              <a:defRPr sz="1800" kern="1200">
-                <a:solidFill>
-                  <a:schemeClr val="tx1">
-                    <a:lumMod val="75000"/>
-                    <a:lumOff val="25000"/>
-                  </a:schemeClr>
-                </a:solidFill>
-                <a:latin typeface="+mn-lt"/>
-                <a:ea typeface="+mn-ea"/>
-                <a:cs typeface="+mn-cs"/>
-              </a:defRPr>
-            </a:lvl1pPr>
-            <a:lvl2pPr marL="742950" indent="-285750" algn="l" defTabSz="457200" rtl="0" eaLnBrk="1" latinLnBrk="0" hangingPunct="1">
-              <a:spcBef>
-                <a:spcPts val="1000"/>
-              </a:spcBef>
-              <a:spcAft>
-                <a:spcPts val="0"/>
-              </a:spcAft>
-              <a:buClr>
-                <a:schemeClr val="accent1"/>
-              </a:buClr>
-              <a:buSzPct val="80000"/>
-              <a:buFont typeface="Wingdings 3" charset="2"/>
-              <a:buChar char=""/>
-              <a:defRPr sz="1600" kern="1200">
-                <a:solidFill>
-                  <a:schemeClr val="tx1">
-                    <a:lumMod val="75000"/>
-                    <a:lumOff val="25000"/>
-                  </a:schemeClr>
-                </a:solidFill>
-                <a:latin typeface="+mn-lt"/>
-                <a:ea typeface="+mn-ea"/>
-                <a:cs typeface="+mn-cs"/>
-              </a:defRPr>
-            </a:lvl2pPr>
-            <a:lvl3pPr marL="1143000" indent="-228600" algn="l" defTabSz="457200" rtl="0" eaLnBrk="1" latinLnBrk="0" hangingPunct="1">
-              <a:spcBef>
-                <a:spcPts val="1000"/>
-              </a:spcBef>
-              <a:spcAft>
-                <a:spcPts val="0"/>
-              </a:spcAft>
-              <a:buClr>
-                <a:schemeClr val="accent1"/>
-              </a:buClr>
-              <a:buSzPct val="80000"/>
-              <a:buFont typeface="Wingdings 3" charset="2"/>
-              <a:buChar char=""/>
-              <a:defRPr sz="1400" kern="1200">
-                <a:solidFill>
-                  <a:schemeClr val="tx1">
-                    <a:lumMod val="75000"/>
-                    <a:lumOff val="25000"/>
-                  </a:schemeClr>
-                </a:solidFill>
-                <a:latin typeface="+mn-lt"/>
-                <a:ea typeface="+mn-ea"/>
-                <a:cs typeface="+mn-cs"/>
-              </a:defRPr>
-            </a:lvl3pPr>
-            <a:lvl4pPr marL="1600200" indent="-228600" algn="l" defTabSz="457200" rtl="0" eaLnBrk="1" latinLnBrk="0" hangingPunct="1">
-              <a:spcBef>
-                <a:spcPts val="1000"/>
-              </a:spcBef>
-              <a:spcAft>
-                <a:spcPts val="0"/>
-              </a:spcAft>
-              <a:buClr>
-                <a:schemeClr val="accent1"/>
-              </a:buClr>
-              <a:buSzPct val="80000"/>
-              <a:buFont typeface="Wingdings 3" charset="2"/>
-              <a:buChar char=""/>
-              <a:defRPr sz="1200" kern="1200">
-                <a:solidFill>
-                  <a:schemeClr val="tx1">
-                    <a:lumMod val="75000"/>
-                    <a:lumOff val="25000"/>
-                  </a:schemeClr>
-                </a:solidFill>
-                <a:latin typeface="+mn-lt"/>
-                <a:ea typeface="+mn-ea"/>
-                <a:cs typeface="+mn-cs"/>
-              </a:defRPr>
-            </a:lvl4pPr>
-            <a:lvl5pPr marL="2057400" indent="-228600" algn="l" defTabSz="457200" rtl="0" eaLnBrk="1" latinLnBrk="0" hangingPunct="1">
-              <a:spcBef>
-                <a:spcPts val="1000"/>
-              </a:spcBef>
-              <a:spcAft>
-                <a:spcPts val="0"/>
-              </a:spcAft>
-              <a:buClr>
-                <a:schemeClr val="accent1"/>
-              </a:buClr>
-              <a:buSzPct val="80000"/>
-              <a:buFont typeface="Wingdings 3" charset="2"/>
-              <a:buChar char=""/>
-              <a:defRPr sz="1200" kern="1200">
-                <a:solidFill>
-                  <a:schemeClr val="tx1">
-                    <a:lumMod val="75000"/>
-                    <a:lumOff val="25000"/>
-                  </a:schemeClr>
-                </a:solidFill>
-                <a:latin typeface="+mn-lt"/>
-                <a:ea typeface="+mn-ea"/>
-                <a:cs typeface="+mn-cs"/>
-              </a:defRPr>
-            </a:lvl5pPr>
-            <a:lvl6pPr marL="2514600" indent="-228600" algn="l" defTabSz="457200" rtl="0" eaLnBrk="1" latinLnBrk="0" hangingPunct="1">
-              <a:spcBef>
-                <a:spcPts val="1000"/>
-              </a:spcBef>
-              <a:spcAft>
-                <a:spcPts val="0"/>
-              </a:spcAft>
-              <a:buClr>
-                <a:schemeClr val="accent1"/>
-              </a:buClr>
-              <a:buSzPct val="80000"/>
-              <a:buFont typeface="Wingdings 3" charset="2"/>
-              <a:buChar char=""/>
-              <a:defRPr sz="1200" kern="1200">
-                <a:solidFill>
-                  <a:schemeClr val="tx1">
-                    <a:lumMod val="75000"/>
-                    <a:lumOff val="25000"/>
-                  </a:schemeClr>
-                </a:solidFill>
-                <a:latin typeface="+mn-lt"/>
-                <a:ea typeface="+mn-ea"/>
-                <a:cs typeface="+mn-cs"/>
-              </a:defRPr>
-            </a:lvl6pPr>
-            <a:lvl7pPr marL="2971800" indent="-228600" algn="l" defTabSz="457200" rtl="0" eaLnBrk="1" latinLnBrk="0" hangingPunct="1">
-              <a:spcBef>
-                <a:spcPts val="1000"/>
-              </a:spcBef>
-              <a:spcAft>
-                <a:spcPts val="0"/>
-              </a:spcAft>
-              <a:buClr>
-                <a:schemeClr val="accent1"/>
-              </a:buClr>
-              <a:buSzPct val="80000"/>
-              <a:buFont typeface="Wingdings 3" charset="2"/>
-              <a:buChar char=""/>
-              <a:defRPr sz="1200" kern="1200">
-                <a:solidFill>
-                  <a:schemeClr val="tx1">
-                    <a:lumMod val="75000"/>
-                    <a:lumOff val="25000"/>
-                  </a:schemeClr>
-                </a:solidFill>
-                <a:latin typeface="+mn-lt"/>
-                <a:ea typeface="+mn-ea"/>
-                <a:cs typeface="+mn-cs"/>
-              </a:defRPr>
-            </a:lvl7pPr>
-            <a:lvl8pPr marL="3429000" indent="-228600" algn="l" defTabSz="457200" rtl="0" eaLnBrk="1" latinLnBrk="0" hangingPunct="1">
-              <a:spcBef>
-                <a:spcPts val="1000"/>
-              </a:spcBef>
-              <a:spcAft>
-                <a:spcPts val="0"/>
-              </a:spcAft>
-              <a:buClr>
-                <a:schemeClr val="accent1"/>
-              </a:buClr>
-              <a:buSzPct val="80000"/>
-              <a:buFont typeface="Wingdings 3" charset="2"/>
-              <a:buChar char=""/>
-              <a:defRPr sz="1200" kern="1200">
-                <a:solidFill>
-                  <a:schemeClr val="tx1">
-                    <a:lumMod val="75000"/>
-                    <a:lumOff val="25000"/>
-                  </a:schemeClr>
-                </a:solidFill>
-                <a:latin typeface="+mn-lt"/>
-                <a:ea typeface="+mn-ea"/>
-                <a:cs typeface="+mn-cs"/>
-              </a:defRPr>
-            </a:lvl8pPr>
-            <a:lvl9pPr marL="3886200" indent="-228600" algn="l" defTabSz="457200" rtl="0" eaLnBrk="1" latinLnBrk="0" hangingPunct="1">
-              <a:spcBef>
-                <a:spcPts val="1000"/>
-              </a:spcBef>
-              <a:spcAft>
-                <a:spcPts val="0"/>
-              </a:spcAft>
-              <a:buClr>
-                <a:schemeClr val="accent1"/>
-              </a:buClr>
-              <a:buSzPct val="80000"/>
-              <a:buFont typeface="Wingdings 3" charset="2"/>
-              <a:buChar char=""/>
-              <a:defRPr sz="1200" kern="1200">
-                <a:solidFill>
-                  <a:schemeClr val="tx1">
-                    <a:lumMod val="75000"/>
-                    <a:lumOff val="25000"/>
-                  </a:schemeClr>
-                </a:solidFill>
-                <a:latin typeface="+mn-lt"/>
-                <a:ea typeface="+mn-ea"/>
-                <a:cs typeface="+mn-cs"/>
-              </a:defRPr>
-            </a:lvl9pPr>
-          </a:lstStyle>
-          <a:p>
-            <a:r>
-              <a:rPr lang="en-US" sz="2400" dirty="0"/>
-              <a:t>Ease of automation</a:t>
-            </a:r>
-          </a:p>
-          <a:p>
-            <a:r>
-              <a:rPr lang="en-US" sz="2400" dirty="0"/>
-              <a:t>Ease of reading</a:t>
-            </a:r>
-          </a:p>
-          <a:p>
-            <a:r>
-              <a:rPr lang="en-US" sz="2400" dirty="0"/>
-              <a:t>Standardization</a:t>
-            </a:r>
-          </a:p>
-          <a:p>
-            <a:endParaRPr lang="en-US" sz="2400" dirty="0"/>
-          </a:p>
-          <a:p>
-            <a:endParaRPr lang="en-US" sz="2400" dirty="0"/>
+          <a:bodyPr/>
+          <a:lstStyle/>
+          <a:p>
+            <a:r>
+              <a:rPr lang="en-US" dirty="0"/>
+              <a:t>Test data needs should be clearly communicated to both the Test Data Management team as well as the Automation team via:</a:t>
+            </a:r>
+          </a:p>
+          <a:p>
+            <a:pPr lvl="1"/>
+            <a:r>
+              <a:rPr lang="en-US" dirty="0"/>
+              <a:t>Test data request sheet</a:t>
+            </a:r>
+          </a:p>
+          <a:p>
+            <a:pPr marL="457200" lvl="1" indent="0">
+              <a:buNone/>
+            </a:pPr>
+            <a:endParaRPr lang="en-US" dirty="0"/>
+          </a:p>
+          <a:p>
+            <a:r>
+              <a:rPr lang="en-US" dirty="0"/>
+              <a:t>When your test is data driven use a JSON file</a:t>
+            </a:r>
+          </a:p>
+          <a:p>
+            <a:endParaRPr lang="en-US" dirty="0"/>
+          </a:p>
+          <a:p>
+            <a:r>
+              <a:rPr lang="en-US" sz="1600" dirty="0">
+                <a:latin typeface="Consolas" panose="020B0609020204030204" pitchFamily="49" charset="0"/>
+              </a:rPr>
+              <a:t>Then all user data for “</a:t>
+            </a:r>
+            <a:r>
+              <a:rPr lang="en-US" sz="1600" dirty="0" err="1">
+                <a:latin typeface="Consolas" panose="020B0609020204030204" pitchFamily="49" charset="0"/>
+              </a:rPr>
+              <a:t>johnDoe</a:t>
+            </a:r>
+            <a:r>
+              <a:rPr lang="en-US" sz="1600" dirty="0">
+                <a:latin typeface="Consolas" panose="020B0609020204030204" pitchFamily="49" charset="0"/>
+              </a:rPr>
+              <a:t>” from “</a:t>
+            </a:r>
+            <a:r>
+              <a:rPr lang="en-US" sz="1600" dirty="0" err="1">
+                <a:latin typeface="Consolas" panose="020B0609020204030204" pitchFamily="49" charset="0"/>
+              </a:rPr>
+              <a:t>users.json</a:t>
+            </a:r>
+            <a:r>
+              <a:rPr lang="en-US" sz="1600" dirty="0">
+                <a:latin typeface="Consolas" panose="020B0609020204030204" pitchFamily="49" charset="0"/>
+              </a:rPr>
+              <a:t>” is populated on the “home” page</a:t>
+            </a:r>
           </a:p>
         </p:txBody>
       </p:sp>
     </p:spTree>
     <p:extLst>
       <p:ext uri="{BB962C8B-B14F-4D97-AF65-F5344CB8AC3E}">
-        <p14:creationId xmlns:p14="http://schemas.microsoft.com/office/powerpoint/2010/main" val="1807484392"/>
+        <p14:creationId xmlns:p14="http://schemas.microsoft.com/office/powerpoint/2010/main" val="382099692"/>
       </p:ext>
     </p:extLst>
   </p:cSld>
@@ -15770,12 +15614,14 @@
           </a:xfrm>
         </p:spPr>
         <p:txBody>
-          <a:bodyPr/>
+          <a:bodyPr>
+            <a:normAutofit/>
+          </a:bodyPr>
           <a:lstStyle/>
           <a:p>
             <a:r>
               <a:rPr lang="en-US" dirty="0"/>
-              <a:t>Make your steps modular 	</a:t>
+              <a:t>Cucumber Tags</a:t>
             </a:r>
           </a:p>
         </p:txBody>
@@ -15880,299 +15726,83 @@
       </p:sp>
       <p:sp>
         <p:nvSpPr>
-          <p:cNvPr id="8" name="Title 1"/>
-          <p:cNvSpPr txBox="1">
-            <a:spLocks/>
-          </p:cNvSpPr>
-          <p:nvPr/>
+          <p:cNvPr id="3" name="Content Placeholder 2"/>
+          <p:cNvSpPr>
+            <a:spLocks noGrp="1"/>
+          </p:cNvSpPr>
+          <p:nvPr>
+            <p:ph idx="1"/>
+          </p:nvPr>
         </p:nvSpPr>
         <p:spPr>
           <a:xfrm>
-            <a:off x="348861" y="1386151"/>
-            <a:ext cx="1542083" cy="695417"/>
+            <a:off x="677334" y="1641772"/>
+            <a:ext cx="10241037" cy="1159554"/>
+          </a:xfrm>
+        </p:spPr>
+        <p:txBody>
+          <a:bodyPr/>
+          <a:lstStyle/>
+          <a:p>
+            <a:r>
+              <a:rPr lang="en-US" dirty="0"/>
+              <a:t>Cucumber tags are a way of grouping tests</a:t>
+            </a:r>
+          </a:p>
+          <a:p>
+            <a:pPr marL="457200" lvl="1" indent="0">
+              <a:buNone/>
+            </a:pPr>
+            <a:endParaRPr lang="en-US" dirty="0"/>
+          </a:p>
+          <a:p>
+            <a:r>
+              <a:rPr lang="en-US" dirty="0"/>
+              <a:t>Tags go above the intended feature or scenario.</a:t>
+            </a:r>
+          </a:p>
+          <a:p>
+            <a:pPr marL="0" indent="0">
+              <a:buNone/>
+            </a:pPr>
+            <a:endParaRPr lang="en-US" dirty="0"/>
+          </a:p>
+          <a:p>
+            <a:pPr marL="0" indent="0">
+              <a:buNone/>
+            </a:pPr>
+            <a:endParaRPr lang="en-US" dirty="0"/>
+          </a:p>
+        </p:txBody>
+      </p:sp>
+      <p:pic>
+        <p:nvPicPr>
+          <p:cNvPr id="4" name="Picture 3"/>
+          <p:cNvPicPr>
+            <a:picLocks noChangeAspect="1"/>
+          </p:cNvPicPr>
+          <p:nvPr/>
+        </p:nvPicPr>
+        <p:blipFill>
+          <a:blip r:embed="rId3"/>
+          <a:stretch>
+            <a:fillRect/>
+          </a:stretch>
+        </p:blipFill>
+        <p:spPr>
+          <a:xfrm>
+            <a:off x="677334" y="2898595"/>
+            <a:ext cx="8319128" cy="3959405"/>
           </a:xfrm>
           <a:prstGeom prst="rect">
             <a:avLst/>
           </a:prstGeom>
         </p:spPr>
-        <p:txBody>
-          <a:bodyPr vert="horz" lIns="91440" tIns="45720" rIns="91440" bIns="45720" rtlCol="0" anchor="t">
-            <a:normAutofit/>
-          </a:bodyPr>
-          <a:lstStyle>
-            <a:lvl1pPr algn="l" defTabSz="457200" rtl="0" eaLnBrk="1" latinLnBrk="0" hangingPunct="1">
-              <a:spcBef>
-                <a:spcPct val="0"/>
-              </a:spcBef>
-              <a:buNone/>
-              <a:defRPr sz="3600" kern="1200">
-                <a:solidFill>
-                  <a:schemeClr val="accent1"/>
-                </a:solidFill>
-                <a:latin typeface="+mj-lt"/>
-                <a:ea typeface="+mj-ea"/>
-                <a:cs typeface="+mj-cs"/>
-              </a:defRPr>
-            </a:lvl1pPr>
-            <a:lvl2pPr eaLnBrk="1" hangingPunct="1">
-              <a:defRPr>
-                <a:solidFill>
-                  <a:schemeClr val="tx2"/>
-                </a:solidFill>
-              </a:defRPr>
-            </a:lvl2pPr>
-            <a:lvl3pPr eaLnBrk="1" hangingPunct="1">
-              <a:defRPr>
-                <a:solidFill>
-                  <a:schemeClr val="tx2"/>
-                </a:solidFill>
-              </a:defRPr>
-            </a:lvl3pPr>
-            <a:lvl4pPr eaLnBrk="1" hangingPunct="1">
-              <a:defRPr>
-                <a:solidFill>
-                  <a:schemeClr val="tx2"/>
-                </a:solidFill>
-              </a:defRPr>
-            </a:lvl4pPr>
-            <a:lvl5pPr eaLnBrk="1" hangingPunct="1">
-              <a:defRPr>
-                <a:solidFill>
-                  <a:schemeClr val="tx2"/>
-                </a:solidFill>
-              </a:defRPr>
-            </a:lvl5pPr>
-            <a:lvl6pPr eaLnBrk="1" hangingPunct="1">
-              <a:defRPr>
-                <a:solidFill>
-                  <a:schemeClr val="tx2"/>
-                </a:solidFill>
-              </a:defRPr>
-            </a:lvl6pPr>
-            <a:lvl7pPr eaLnBrk="1" hangingPunct="1">
-              <a:defRPr>
-                <a:solidFill>
-                  <a:schemeClr val="tx2"/>
-                </a:solidFill>
-              </a:defRPr>
-            </a:lvl7pPr>
-            <a:lvl8pPr eaLnBrk="1" hangingPunct="1">
-              <a:defRPr>
-                <a:solidFill>
-                  <a:schemeClr val="tx2"/>
-                </a:solidFill>
-              </a:defRPr>
-            </a:lvl8pPr>
-            <a:lvl9pPr eaLnBrk="1" hangingPunct="1">
-              <a:defRPr>
-                <a:solidFill>
-                  <a:schemeClr val="tx2"/>
-                </a:solidFill>
-              </a:defRPr>
-            </a:lvl9pPr>
-          </a:lstStyle>
-          <a:p>
-            <a:r>
-              <a:rPr lang="en-US" dirty="0"/>
-              <a:t>How? </a:t>
-            </a:r>
-          </a:p>
-        </p:txBody>
-      </p:sp>
-      <p:sp>
-        <p:nvSpPr>
-          <p:cNvPr id="7" name="Content Placeholder 2"/>
-          <p:cNvSpPr>
-            <a:spLocks noGrp="1"/>
-          </p:cNvSpPr>
-          <p:nvPr>
-            <p:ph idx="1"/>
-          </p:nvPr>
-        </p:nvSpPr>
-        <p:spPr>
-          <a:xfrm>
-            <a:off x="106533" y="2162702"/>
-            <a:ext cx="9428085" cy="4610960"/>
-          </a:xfrm>
-        </p:spPr>
-        <p:txBody>
-          <a:bodyPr>
-            <a:normAutofit/>
-          </a:bodyPr>
-          <a:lstStyle/>
-          <a:p>
-            <a:pPr marL="0" indent="0">
-              <a:buNone/>
-            </a:pPr>
-            <a:r>
-              <a:rPr lang="en-US" sz="2400" b="1" dirty="0">
-                <a:solidFill>
-                  <a:schemeClr val="accent5"/>
-                </a:solidFill>
-              </a:rPr>
-              <a:t>Rule 1: </a:t>
-            </a:r>
-            <a:r>
-              <a:rPr lang="en-US" sz="2400" dirty="0">
-                <a:solidFill>
-                  <a:schemeClr val="accent5"/>
-                </a:solidFill>
-              </a:rPr>
-              <a:t>If does the same thing make it obvious</a:t>
-            </a:r>
-          </a:p>
-          <a:p>
-            <a:pPr marL="0" indent="0">
-              <a:buNone/>
-            </a:pPr>
-            <a:r>
-              <a:rPr lang="en-US" sz="2400" b="1" dirty="0"/>
-              <a:t>	Example:</a:t>
-            </a:r>
-          </a:p>
-          <a:p>
-            <a:pPr marL="0" indent="0">
-              <a:buNone/>
-            </a:pPr>
-            <a:r>
-              <a:rPr lang="en-US" sz="2400" b="1" dirty="0">
-                <a:solidFill>
-                  <a:schemeClr val="bg1">
-                    <a:lumMod val="65000"/>
-                  </a:schemeClr>
-                </a:solidFill>
-              </a:rPr>
-              <a:t>Given</a:t>
-            </a:r>
-            <a:r>
-              <a:rPr lang="en-US" sz="2400" b="1" dirty="0"/>
-              <a:t> I click on Sign In link on the Home page</a:t>
-            </a:r>
-          </a:p>
-          <a:p>
-            <a:pPr marL="0" indent="0">
-              <a:buNone/>
-            </a:pPr>
-            <a:r>
-              <a:rPr lang="en-US" sz="2400" b="1" dirty="0">
-                <a:solidFill>
-                  <a:schemeClr val="bg1">
-                    <a:lumMod val="65000"/>
-                  </a:schemeClr>
-                </a:solidFill>
-              </a:rPr>
-              <a:t>When</a:t>
-            </a:r>
-            <a:r>
-              <a:rPr lang="en-US" sz="2400" b="1" dirty="0"/>
-              <a:t> I click on the Register Button on the Sign In page</a:t>
-            </a:r>
-          </a:p>
-          <a:p>
-            <a:pPr marL="0" indent="0">
-              <a:buNone/>
-            </a:pPr>
-            <a:endParaRPr lang="en-US" sz="2400" b="1" dirty="0"/>
-          </a:p>
-          <a:p>
-            <a:pPr marL="0" indent="0">
-              <a:buNone/>
-            </a:pPr>
-            <a:r>
-              <a:rPr lang="en-US" sz="2400" b="1" dirty="0">
-                <a:solidFill>
-                  <a:schemeClr val="bg1">
-                    <a:lumMod val="65000"/>
-                  </a:schemeClr>
-                </a:solidFill>
-              </a:rPr>
-              <a:t>When </a:t>
-            </a:r>
-            <a:r>
-              <a:rPr lang="en-US" sz="2400" b="1" dirty="0">
-                <a:solidFill>
-                  <a:schemeClr val="tx1"/>
-                </a:solidFill>
-              </a:rPr>
-              <a:t>I click on </a:t>
-            </a:r>
-            <a:r>
-              <a:rPr lang="en-US" sz="2400" b="1" dirty="0">
-                <a:solidFill>
-                  <a:schemeClr val="accent5"/>
-                </a:solidFill>
-              </a:rPr>
-              <a:t>“</a:t>
-            </a:r>
-            <a:r>
-              <a:rPr lang="en-US" sz="2400" b="1" dirty="0">
-                <a:solidFill>
-                  <a:schemeClr val="tx2">
-                    <a:lumMod val="40000"/>
-                    <a:lumOff val="60000"/>
-                  </a:schemeClr>
-                </a:solidFill>
-              </a:rPr>
-              <a:t>something</a:t>
-            </a:r>
-            <a:r>
-              <a:rPr lang="en-US" sz="2400" b="1" dirty="0">
-                <a:solidFill>
-                  <a:schemeClr val="accent5"/>
-                </a:solidFill>
-              </a:rPr>
-              <a:t>”</a:t>
-            </a:r>
-            <a:r>
-              <a:rPr lang="en-US" sz="2400" b="1" dirty="0">
-                <a:solidFill>
-                  <a:schemeClr val="tx1"/>
-                </a:solidFill>
-              </a:rPr>
-              <a:t> on the </a:t>
-            </a:r>
-            <a:r>
-              <a:rPr lang="en-US" sz="2400" b="1" dirty="0">
-                <a:solidFill>
-                  <a:schemeClr val="accent5"/>
-                </a:solidFill>
-              </a:rPr>
-              <a:t>“</a:t>
-            </a:r>
-            <a:r>
-              <a:rPr lang="en-US" sz="2400" b="1" dirty="0">
-                <a:solidFill>
-                  <a:schemeClr val="tx2">
-                    <a:lumMod val="40000"/>
-                    <a:lumOff val="60000"/>
-                  </a:schemeClr>
-                </a:solidFill>
-              </a:rPr>
-              <a:t>somewhere</a:t>
-            </a:r>
-            <a:r>
-              <a:rPr lang="en-US" sz="2400" b="1" dirty="0">
-                <a:solidFill>
-                  <a:schemeClr val="accent5"/>
-                </a:solidFill>
-              </a:rPr>
-              <a:t>”</a:t>
-            </a:r>
-            <a:r>
-              <a:rPr lang="en-US" sz="2400" b="1" dirty="0">
-                <a:solidFill>
-                  <a:schemeClr val="tx1"/>
-                </a:solidFill>
-              </a:rPr>
-              <a:t> page</a:t>
-            </a:r>
-          </a:p>
-        </p:txBody>
-      </p:sp>
+      </p:pic>
     </p:spTree>
     <p:extLst>
       <p:ext uri="{BB962C8B-B14F-4D97-AF65-F5344CB8AC3E}">
-        <p14:creationId xmlns:p14="http://schemas.microsoft.com/office/powerpoint/2010/main" val="1753970815"/>
+        <p14:creationId xmlns:p14="http://schemas.microsoft.com/office/powerpoint/2010/main" val="1135969451"/>
       </p:ext>
     </p:extLst>
   </p:cSld>
@@ -16216,12 +15846,156 @@
           </a:xfrm>
         </p:spPr>
         <p:txBody>
-          <a:bodyPr/>
+          <a:bodyPr>
+            <a:normAutofit/>
+          </a:bodyPr>
           <a:lstStyle/>
           <a:p>
             <a:r>
               <a:rPr lang="en-US" dirty="0"/>
-              <a:t>Make your steps modular 	</a:t>
+              <a:t>Make your steps modular	</a:t>
+            </a:r>
+          </a:p>
+        </p:txBody>
+      </p:sp>
+      <p:sp>
+        <p:nvSpPr>
+          <p:cNvPr id="3" name="Content Placeholder 2"/>
+          <p:cNvSpPr>
+            <a:spLocks noGrp="1"/>
+          </p:cNvSpPr>
+          <p:nvPr>
+            <p:ph idx="1"/>
+          </p:nvPr>
+        </p:nvSpPr>
+        <p:spPr>
+          <a:xfrm>
+            <a:off x="677334" y="1454214"/>
+            <a:ext cx="8886116" cy="1119075"/>
+          </a:xfrm>
+        </p:spPr>
+        <p:txBody>
+          <a:bodyPr>
+            <a:normAutofit/>
+          </a:bodyPr>
+          <a:lstStyle/>
+          <a:p>
+            <a:r>
+              <a:rPr lang="en-US" sz="2400" dirty="0"/>
+              <a:t>Be constant with your language.  </a:t>
+            </a:r>
+          </a:p>
+          <a:p>
+            <a:r>
+              <a:rPr lang="en-US" sz="2400" dirty="0"/>
+              <a:t>Use parameters and make them clear</a:t>
+            </a:r>
+          </a:p>
+          <a:p>
+            <a:pPr marL="0" indent="0">
+              <a:buNone/>
+            </a:pPr>
+            <a:endParaRPr lang="en-US" sz="2400" dirty="0"/>
+          </a:p>
+        </p:txBody>
+      </p:sp>
+      <p:sp>
+        <p:nvSpPr>
+          <p:cNvPr id="5" name="Title 1"/>
+          <p:cNvSpPr txBox="1">
+            <a:spLocks/>
+          </p:cNvSpPr>
+          <p:nvPr/>
+        </p:nvSpPr>
+        <p:spPr>
+          <a:xfrm>
+            <a:off x="677334" y="3034684"/>
+            <a:ext cx="1542083" cy="695417"/>
+          </a:xfrm>
+          <a:prstGeom prst="rect">
+            <a:avLst/>
+          </a:prstGeom>
+        </p:spPr>
+        <p:txBody>
+          <a:bodyPr vert="horz" lIns="91440" tIns="45720" rIns="91440" bIns="45720" rtlCol="0" anchor="t">
+            <a:normAutofit/>
+          </a:bodyPr>
+          <a:lstStyle>
+            <a:lvl1pPr algn="l" defTabSz="457200" rtl="0" eaLnBrk="1" latinLnBrk="0" hangingPunct="1">
+              <a:spcBef>
+                <a:spcPct val="0"/>
+              </a:spcBef>
+              <a:buNone/>
+              <a:defRPr sz="3600" kern="1200">
+                <a:solidFill>
+                  <a:schemeClr val="accent1"/>
+                </a:solidFill>
+                <a:latin typeface="+mj-lt"/>
+                <a:ea typeface="+mj-ea"/>
+                <a:cs typeface="+mj-cs"/>
+              </a:defRPr>
+            </a:lvl1pPr>
+            <a:lvl2pPr eaLnBrk="1" hangingPunct="1">
+              <a:defRPr>
+                <a:solidFill>
+                  <a:schemeClr val="tx2"/>
+                </a:solidFill>
+              </a:defRPr>
+            </a:lvl2pPr>
+            <a:lvl3pPr eaLnBrk="1" hangingPunct="1">
+              <a:defRPr>
+                <a:solidFill>
+                  <a:schemeClr val="tx2"/>
+                </a:solidFill>
+              </a:defRPr>
+            </a:lvl3pPr>
+            <a:lvl4pPr eaLnBrk="1" hangingPunct="1">
+              <a:defRPr>
+                <a:solidFill>
+                  <a:schemeClr val="tx2"/>
+                </a:solidFill>
+              </a:defRPr>
+            </a:lvl4pPr>
+            <a:lvl5pPr eaLnBrk="1" hangingPunct="1">
+              <a:defRPr>
+                <a:solidFill>
+                  <a:schemeClr val="tx2"/>
+                </a:solidFill>
+              </a:defRPr>
+            </a:lvl5pPr>
+            <a:lvl6pPr eaLnBrk="1" hangingPunct="1">
+              <a:defRPr>
+                <a:solidFill>
+                  <a:schemeClr val="tx2"/>
+                </a:solidFill>
+              </a:defRPr>
+            </a:lvl6pPr>
+            <a:lvl7pPr eaLnBrk="1" hangingPunct="1">
+              <a:defRPr>
+                <a:solidFill>
+                  <a:schemeClr val="tx2"/>
+                </a:solidFill>
+              </a:defRPr>
+            </a:lvl7pPr>
+            <a:lvl8pPr eaLnBrk="1" hangingPunct="1">
+              <a:defRPr>
+                <a:solidFill>
+                  <a:schemeClr val="tx2"/>
+                </a:solidFill>
+              </a:defRPr>
+            </a:lvl8pPr>
+            <a:lvl9pPr eaLnBrk="1" hangingPunct="1">
+              <a:defRPr>
+                <a:solidFill>
+                  <a:schemeClr val="tx2"/>
+                </a:solidFill>
+              </a:defRPr>
+            </a:lvl9pPr>
+          </a:lstStyle>
+          <a:p>
+            <a:r>
+              <a:rPr lang="en-US" dirty="0"/>
+              <a:t>Why? </a:t>
             </a:r>
           </a:p>
         </p:txBody>
@@ -16320,13 +16094,16 @@
             </a:lvl9pPr>
           </a:lstStyle>
           <a:p>
-            <a:endParaRPr lang="en-US" dirty="0"/>
-          </a:p>
-        </p:txBody>
-      </p:sp>
-      <p:sp>
-        <p:nvSpPr>
-          <p:cNvPr id="8" name="Title 1"/>
+            <a:r>
+              <a:rPr lang="en-US" dirty="0"/>
+              <a:t>What? </a:t>
+            </a:r>
+          </a:p>
+        </p:txBody>
+      </p:sp>
+      <p:sp>
+        <p:nvSpPr>
+          <p:cNvPr id="7" name="Content Placeholder 2"/>
           <p:cNvSpPr txBox="1">
             <a:spLocks/>
           </p:cNvSpPr>
@@ -16334,207 +16111,274 @@
         </p:nvSpPr>
         <p:spPr>
           <a:xfrm>
-            <a:off x="348861" y="1386151"/>
-            <a:ext cx="1542083" cy="695417"/>
+            <a:off x="677334" y="3631958"/>
+            <a:ext cx="8886116" cy="1632500"/>
           </a:xfrm>
           <a:prstGeom prst="rect">
             <a:avLst/>
           </a:prstGeom>
         </p:spPr>
         <p:txBody>
-          <a:bodyPr vert="horz" lIns="91440" tIns="45720" rIns="91440" bIns="45720" rtlCol="0" anchor="t">
+          <a:bodyPr vert="horz" lIns="91440" tIns="45720" rIns="91440" bIns="45720" rtlCol="0">
             <a:normAutofit/>
           </a:bodyPr>
           <a:lstStyle>
-            <a:lvl1pPr algn="l" defTabSz="457200" rtl="0" eaLnBrk="1" latinLnBrk="0" hangingPunct="1">
+            <a:lvl1pPr marL="342900" indent="-342900" algn="l" defTabSz="457200" rtl="0" eaLnBrk="1" latinLnBrk="0" hangingPunct="1">
               <a:spcBef>
-                <a:spcPct val="0"/>
+                <a:spcPts val="1000"/>
               </a:spcBef>
-              <a:buNone/>
-              <a:defRPr sz="3600" kern="1200">
-                <a:solidFill>
-                  <a:schemeClr val="accent1"/>
-                </a:solidFill>
-                <a:latin typeface="+mj-lt"/>
-                <a:ea typeface="+mj-ea"/>
-                <a:cs typeface="+mj-cs"/>
+              <a:spcAft>
+                <a:spcPts val="0"/>
+              </a:spcAft>
+              <a:buClr>
+                <a:schemeClr val="accent1"/>
+              </a:buClr>
+              <a:buSzPct val="80000"/>
+              <a:buFont typeface="Wingdings 3" charset="2"/>
+              <a:buChar char=""/>
+              <a:defRPr sz="1800" kern="1200">
+                <a:solidFill>
+                  <a:schemeClr val="tx1">
+                    <a:lumMod val="75000"/>
+                    <a:lumOff val="25000"/>
+                  </a:schemeClr>
+                </a:solidFill>
+                <a:latin typeface="+mn-lt"/>
+                <a:ea typeface="+mn-ea"/>
+                <a:cs typeface="+mn-cs"/>
               </a:defRPr>
             </a:lvl1pPr>
-            <a:lvl2pPr eaLnBrk="1" hangingPunct="1">
-              <a:defRPr>
-                <a:solidFill>
-                  <a:schemeClr val="tx2"/>
-                </a:solidFill>
+            <a:lvl2pPr marL="742950" indent="-285750" algn="l" defTabSz="457200" rtl="0" eaLnBrk="1" latinLnBrk="0" hangingPunct="1">
+              <a:spcBef>
+                <a:spcPts val="1000"/>
+              </a:spcBef>
+              <a:spcAft>
+                <a:spcPts val="0"/>
+              </a:spcAft>
+              <a:buClr>
+                <a:schemeClr val="accent1"/>
+              </a:buClr>
+              <a:buSzPct val="80000"/>
+              <a:buFont typeface="Wingdings 3" charset="2"/>
+              <a:buChar char=""/>
+              <a:defRPr sz="1600" kern="1200">
+                <a:solidFill>
+                  <a:schemeClr val="tx1">
+                    <a:lumMod val="75000"/>
+                    <a:lumOff val="25000"/>
+                  </a:schemeClr>
+                </a:solidFill>
+                <a:latin typeface="+mn-lt"/>
+                <a:ea typeface="+mn-ea"/>
+                <a:cs typeface="+mn-cs"/>
               </a:defRPr>
             </a:lvl2pPr>
-            <a:lvl3pPr eaLnBrk="1" hangingPunct="1">
-              <a:defRPr>
-                <a:solidFill>
-                  <a:schemeClr val="tx2"/>
-                </a:solidFill>
+            <a:lvl3pPr marL="1143000" indent="-228600" algn="l" defTabSz="457200" rtl="0" eaLnBrk="1" latinLnBrk="0" hangingPunct="1">
+              <a:spcBef>
+                <a:spcPts val="1000"/>
+              </a:spcBef>
+              <a:spcAft>
+                <a:spcPts val="0"/>
+              </a:spcAft>
+              <a:buClr>
+                <a:schemeClr val="accent1"/>
+              </a:buClr>
+              <a:buSzPct val="80000"/>
+              <a:buFont typeface="Wingdings 3" charset="2"/>
+              <a:buChar char=""/>
+              <a:defRPr sz="1400" kern="1200">
+                <a:solidFill>
+                  <a:schemeClr val="tx1">
+                    <a:lumMod val="75000"/>
+                    <a:lumOff val="25000"/>
+                  </a:schemeClr>
+                </a:solidFill>
+                <a:latin typeface="+mn-lt"/>
+                <a:ea typeface="+mn-ea"/>
+                <a:cs typeface="+mn-cs"/>
               </a:defRPr>
             </a:lvl3pPr>
-            <a:lvl4pPr eaLnBrk="1" hangingPunct="1">
-              <a:defRPr>
-                <a:solidFill>
-                  <a:schemeClr val="tx2"/>
-                </a:solidFill>
+            <a:lvl4pPr marL="1600200" indent="-228600" algn="l" defTabSz="457200" rtl="0" eaLnBrk="1" latinLnBrk="0" hangingPunct="1">
+              <a:spcBef>
+                <a:spcPts val="1000"/>
+              </a:spcBef>
+              <a:spcAft>
+                <a:spcPts val="0"/>
+              </a:spcAft>
+              <a:buClr>
+                <a:schemeClr val="accent1"/>
+              </a:buClr>
+              <a:buSzPct val="80000"/>
+              <a:buFont typeface="Wingdings 3" charset="2"/>
+              <a:buChar char=""/>
+              <a:defRPr sz="1200" kern="1200">
+                <a:solidFill>
+                  <a:schemeClr val="tx1">
+                    <a:lumMod val="75000"/>
+                    <a:lumOff val="25000"/>
+                  </a:schemeClr>
+                </a:solidFill>
+                <a:latin typeface="+mn-lt"/>
+                <a:ea typeface="+mn-ea"/>
+                <a:cs typeface="+mn-cs"/>
               </a:defRPr>
             </a:lvl4pPr>
-            <a:lvl5pPr eaLnBrk="1" hangingPunct="1">
-              <a:defRPr>
-                <a:solidFill>
-                  <a:schemeClr val="tx2"/>
-                </a:solidFill>
+            <a:lvl5pPr marL="2057400" indent="-228600" algn="l" defTabSz="457200" rtl="0" eaLnBrk="1" latinLnBrk="0" hangingPunct="1">
+              <a:spcBef>
+                <a:spcPts val="1000"/>
+              </a:spcBef>
+              <a:spcAft>
+                <a:spcPts val="0"/>
+              </a:spcAft>
+              <a:buClr>
+                <a:schemeClr val="accent1"/>
+              </a:buClr>
+              <a:buSzPct val="80000"/>
+              <a:buFont typeface="Wingdings 3" charset="2"/>
+              <a:buChar char=""/>
+              <a:defRPr sz="1200" kern="1200">
+                <a:solidFill>
+                  <a:schemeClr val="tx1">
+                    <a:lumMod val="75000"/>
+                    <a:lumOff val="25000"/>
+                  </a:schemeClr>
+                </a:solidFill>
+                <a:latin typeface="+mn-lt"/>
+                <a:ea typeface="+mn-ea"/>
+                <a:cs typeface="+mn-cs"/>
               </a:defRPr>
             </a:lvl5pPr>
-            <a:lvl6pPr eaLnBrk="1" hangingPunct="1">
-              <a:defRPr>
-                <a:solidFill>
-                  <a:schemeClr val="tx2"/>
-                </a:solidFill>
+            <a:lvl6pPr marL="2514600" indent="-228600" algn="l" defTabSz="457200" rtl="0" eaLnBrk="1" latinLnBrk="0" hangingPunct="1">
+              <a:spcBef>
+                <a:spcPts val="1000"/>
+              </a:spcBef>
+              <a:spcAft>
+                <a:spcPts val="0"/>
+              </a:spcAft>
+              <a:buClr>
+                <a:schemeClr val="accent1"/>
+              </a:buClr>
+              <a:buSzPct val="80000"/>
+              <a:buFont typeface="Wingdings 3" charset="2"/>
+              <a:buChar char=""/>
+              <a:defRPr sz="1200" kern="1200">
+                <a:solidFill>
+                  <a:schemeClr val="tx1">
+                    <a:lumMod val="75000"/>
+                    <a:lumOff val="25000"/>
+                  </a:schemeClr>
+                </a:solidFill>
+                <a:latin typeface="+mn-lt"/>
+                <a:ea typeface="+mn-ea"/>
+                <a:cs typeface="+mn-cs"/>
               </a:defRPr>
             </a:lvl6pPr>
-            <a:lvl7pPr eaLnBrk="1" hangingPunct="1">
-              <a:defRPr>
-                <a:solidFill>
-                  <a:schemeClr val="tx2"/>
-                </a:solidFill>
+            <a:lvl7pPr marL="2971800" indent="-228600" algn="l" defTabSz="457200" rtl="0" eaLnBrk="1" latinLnBrk="0" hangingPunct="1">
+              <a:spcBef>
+                <a:spcPts val="1000"/>
+              </a:spcBef>
+              <a:spcAft>
+                <a:spcPts val="0"/>
+              </a:spcAft>
+              <a:buClr>
+                <a:schemeClr val="accent1"/>
+              </a:buClr>
+              <a:buSzPct val="80000"/>
+              <a:buFont typeface="Wingdings 3" charset="2"/>
+              <a:buChar char=""/>
+              <a:defRPr sz="1200" kern="1200">
+                <a:solidFill>
+                  <a:schemeClr val="tx1">
+                    <a:lumMod val="75000"/>
+                    <a:lumOff val="25000"/>
+                  </a:schemeClr>
+                </a:solidFill>
+                <a:latin typeface="+mn-lt"/>
+                <a:ea typeface="+mn-ea"/>
+                <a:cs typeface="+mn-cs"/>
               </a:defRPr>
             </a:lvl7pPr>
-            <a:lvl8pPr eaLnBrk="1" hangingPunct="1">
-              <a:defRPr>
-                <a:solidFill>
-                  <a:schemeClr val="tx2"/>
-                </a:solidFill>
+            <a:lvl8pPr marL="3429000" indent="-228600" algn="l" defTabSz="457200" rtl="0" eaLnBrk="1" latinLnBrk="0" hangingPunct="1">
+              <a:spcBef>
+                <a:spcPts val="1000"/>
+              </a:spcBef>
+              <a:spcAft>
+                <a:spcPts val="0"/>
+              </a:spcAft>
+              <a:buClr>
+                <a:schemeClr val="accent1"/>
+              </a:buClr>
+              <a:buSzPct val="80000"/>
+              <a:buFont typeface="Wingdings 3" charset="2"/>
+              <a:buChar char=""/>
+              <a:defRPr sz="1200" kern="1200">
+                <a:solidFill>
+                  <a:schemeClr val="tx1">
+                    <a:lumMod val="75000"/>
+                    <a:lumOff val="25000"/>
+                  </a:schemeClr>
+                </a:solidFill>
+                <a:latin typeface="+mn-lt"/>
+                <a:ea typeface="+mn-ea"/>
+                <a:cs typeface="+mn-cs"/>
               </a:defRPr>
             </a:lvl8pPr>
-            <a:lvl9pPr eaLnBrk="1" hangingPunct="1">
-              <a:defRPr>
-                <a:solidFill>
-                  <a:schemeClr val="tx2"/>
-                </a:solidFill>
+            <a:lvl9pPr marL="3886200" indent="-228600" algn="l" defTabSz="457200" rtl="0" eaLnBrk="1" latinLnBrk="0" hangingPunct="1">
+              <a:spcBef>
+                <a:spcPts val="1000"/>
+              </a:spcBef>
+              <a:spcAft>
+                <a:spcPts val="0"/>
+              </a:spcAft>
+              <a:buClr>
+                <a:schemeClr val="accent1"/>
+              </a:buClr>
+              <a:buSzPct val="80000"/>
+              <a:buFont typeface="Wingdings 3" charset="2"/>
+              <a:buChar char=""/>
+              <a:defRPr sz="1200" kern="1200">
+                <a:solidFill>
+                  <a:schemeClr val="tx1">
+                    <a:lumMod val="75000"/>
+                    <a:lumOff val="25000"/>
+                  </a:schemeClr>
+                </a:solidFill>
+                <a:latin typeface="+mn-lt"/>
+                <a:ea typeface="+mn-ea"/>
+                <a:cs typeface="+mn-cs"/>
               </a:defRPr>
             </a:lvl9pPr>
           </a:lstStyle>
           <a:p>
             <a:r>
-              <a:rPr lang="en-US" dirty="0"/>
-              <a:t>How? </a:t>
-            </a:r>
-          </a:p>
-        </p:txBody>
-      </p:sp>
-      <p:sp>
-        <p:nvSpPr>
-          <p:cNvPr id="7" name="Content Placeholder 2"/>
-          <p:cNvSpPr>
-            <a:spLocks noGrp="1"/>
-          </p:cNvSpPr>
-          <p:nvPr>
-            <p:ph idx="1"/>
-          </p:nvPr>
-        </p:nvSpPr>
-        <p:spPr>
-          <a:xfrm>
-            <a:off x="106533" y="2162702"/>
-            <a:ext cx="9428085" cy="4610960"/>
-          </a:xfrm>
-        </p:spPr>
-        <p:txBody>
-          <a:bodyPr>
-            <a:normAutofit/>
-          </a:bodyPr>
-          <a:lstStyle/>
-          <a:p>
-            <a:pPr marL="0" indent="0">
-              <a:buNone/>
-            </a:pPr>
-            <a:r>
-              <a:rPr lang="en-US" sz="2400" b="1" dirty="0">
-                <a:solidFill>
-                  <a:schemeClr val="accent5"/>
-                </a:solidFill>
-              </a:rPr>
-              <a:t>Rule 2: </a:t>
-            </a:r>
-            <a:r>
-              <a:rPr lang="en-US" sz="2400" dirty="0">
-                <a:solidFill>
-                  <a:schemeClr val="accent5"/>
-                </a:solidFill>
-              </a:rPr>
-              <a:t>Keep case consistent: lowercase recommended</a:t>
-            </a:r>
-          </a:p>
-          <a:p>
-            <a:pPr marL="0" indent="0">
-              <a:buNone/>
-            </a:pPr>
-            <a:r>
-              <a:rPr lang="en-US" sz="2400" b="1" dirty="0"/>
-              <a:t>	Example:</a:t>
-            </a:r>
-          </a:p>
-          <a:p>
-            <a:pPr marL="0" indent="0">
-              <a:buNone/>
-            </a:pPr>
-            <a:r>
-              <a:rPr lang="en-US" sz="2400" b="1" dirty="0">
-                <a:solidFill>
-                  <a:schemeClr val="bg1">
-                    <a:lumMod val="65000"/>
-                  </a:schemeClr>
-                </a:solidFill>
-              </a:rPr>
-              <a:t>Given</a:t>
-            </a:r>
-            <a:r>
-              <a:rPr lang="en-US" sz="2400" b="1" dirty="0"/>
-              <a:t> I Click on “Sign In link” on the “Home” page</a:t>
-            </a:r>
-          </a:p>
-          <a:p>
-            <a:pPr marL="0" indent="0">
-              <a:buNone/>
-            </a:pPr>
-            <a:r>
-              <a:rPr lang="en-US" sz="2400" b="1" dirty="0">
-                <a:solidFill>
-                  <a:schemeClr val="bg1">
-                    <a:lumMod val="65000"/>
-                  </a:schemeClr>
-                </a:solidFill>
-              </a:rPr>
-              <a:t>Given</a:t>
-            </a:r>
-            <a:r>
-              <a:rPr lang="en-US" sz="2400" b="1" dirty="0"/>
-              <a:t> I click on “Sign In link” on the “Home” page</a:t>
-            </a:r>
-          </a:p>
-          <a:p>
-            <a:pPr marL="0" indent="0">
-              <a:buNone/>
-            </a:pPr>
-            <a:endParaRPr lang="en-US" sz="2400" b="1" dirty="0"/>
-          </a:p>
-          <a:p>
-            <a:pPr marL="0" indent="0">
-              <a:buNone/>
-            </a:pPr>
-            <a:r>
-              <a:rPr lang="en-US" sz="2400" b="1" dirty="0"/>
-              <a:t>These will not execute the same step</a:t>
-            </a:r>
+              <a:rPr lang="en-US" sz="2400" dirty="0"/>
+              <a:t>Ease of automation</a:t>
+            </a:r>
+          </a:p>
+          <a:p>
+            <a:r>
+              <a:rPr lang="en-US" sz="2400" dirty="0"/>
+              <a:t>Ease of reading</a:t>
+            </a:r>
+          </a:p>
+          <a:p>
+            <a:r>
+              <a:rPr lang="en-US" sz="2400" dirty="0"/>
+              <a:t>Standardization</a:t>
+            </a:r>
+          </a:p>
+          <a:p>
+            <a:endParaRPr lang="en-US" sz="2400" dirty="0"/>
+          </a:p>
+          <a:p>
+            <a:endParaRPr lang="en-US" sz="2400" dirty="0"/>
           </a:p>
         </p:txBody>
       </p:sp>
     </p:spTree>
     <p:extLst>
       <p:ext uri="{BB962C8B-B14F-4D97-AF65-F5344CB8AC3E}">
-        <p14:creationId xmlns:p14="http://schemas.microsoft.com/office/powerpoint/2010/main" val="1905832501"/>
+        <p14:creationId xmlns:p14="http://schemas.microsoft.com/office/powerpoint/2010/main" val="1807484392"/>
       </p:ext>
     </p:extLst>
   </p:cSld>
@@ -16818,7 +16662,7 @@
                   <a:schemeClr val="accent5"/>
                 </a:solidFill>
               </a:rPr>
-              <a:t>Rule 3: </a:t>
+              <a:t>Rule 1: </a:t>
             </a:r>
             <a:r>
               <a:rPr lang="en-US" sz="2400" dirty="0">
@@ -16826,7 +16670,7 @@
                   <a:schemeClr val="accent5"/>
                 </a:solidFill>
               </a:rPr>
-              <a:t>Keep tables consistent</a:t>
+              <a:t>If does the same thing make it obvious</a:t>
             </a:r>
           </a:p>
           <a:p>
@@ -16843,201 +16687,144 @@
               <a:buNone/>
             </a:pPr>
             <a:r>
-              <a:rPr lang="en-US" b="1" dirty="0">
+              <a:rPr lang="en-US" sz="2400" b="1" dirty="0">
                 <a:solidFill>
                   <a:schemeClr val="bg1">
                     <a:lumMod val="65000"/>
                   </a:schemeClr>
                 </a:solidFill>
               </a:rPr>
-              <a:t>Then the "&lt;Error&gt;" should be "</a:t>
-            </a:r>
-            <a:r>
-              <a:rPr lang="en-US" b="1" dirty="0">
-                <a:solidFill>
-                  <a:srgbClr val="00B0F0"/>
-                </a:solidFill>
-              </a:rPr>
-              <a:t>visible</a:t>
-            </a:r>
-            <a:r>
-              <a:rPr lang="en-US" b="1" dirty="0">
+              <a:t>Given</a:t>
+            </a:r>
+            <a:r>
+              <a:rPr lang="en-US" sz="2400" b="1" dirty="0"/>
+              <a:t> I click on Sign In link on the Home page</a:t>
+            </a:r>
+          </a:p>
+          <a:p>
+            <a:pPr marL="0" indent="0">
+              <a:buNone/>
+            </a:pPr>
+            <a:r>
+              <a:rPr lang="en-US" sz="2400" b="1" dirty="0">
                 <a:solidFill>
                   <a:schemeClr val="bg1">
                     <a:lumMod val="65000"/>
                   </a:schemeClr>
                 </a:solidFill>
               </a:rPr>
-              <a:t>" and contain "&lt;</a:t>
-            </a:r>
-            <a:r>
-              <a:rPr lang="en-US" b="1" dirty="0">
-                <a:solidFill>
-                  <a:schemeClr val="accent5"/>
-                </a:solidFill>
-              </a:rPr>
-              <a:t>Expected  Text</a:t>
-            </a:r>
-            <a:r>
-              <a:rPr lang="en-US" b="1" dirty="0">
+              <a:t>When</a:t>
+            </a:r>
+            <a:r>
+              <a:rPr lang="en-US" sz="2400" b="1" dirty="0"/>
+              <a:t> I click on the Register Button on the Sign In page</a:t>
+            </a:r>
+          </a:p>
+          <a:p>
+            <a:pPr marL="0" indent="0">
+              <a:buNone/>
+            </a:pPr>
+            <a:endParaRPr lang="en-US" sz="2400" b="1" dirty="0"/>
+          </a:p>
+          <a:p>
+            <a:pPr marL="0" indent="0">
+              <a:buNone/>
+            </a:pPr>
+            <a:r>
+              <a:rPr lang="en-US" sz="2400" b="1" dirty="0">
                 <a:solidFill>
                   <a:schemeClr val="bg1">
                     <a:lumMod val="65000"/>
                   </a:schemeClr>
                 </a:solidFill>
               </a:rPr>
-              <a:t>&gt;"</a:t>
-            </a:r>
-          </a:p>
-          <a:p>
-            <a:pPr marL="0" indent="0">
-              <a:buNone/>
-            </a:pPr>
-            <a:r>
-              <a:rPr lang="en-US" b="1" dirty="0">
-                <a:solidFill>
-                  <a:schemeClr val="bg1">
-                    <a:lumMod val="65000"/>
+              <a:t>When </a:t>
+            </a:r>
+            <a:r>
+              <a:rPr lang="en-US" sz="2400" b="1" dirty="0">
+                <a:solidFill>
+                  <a:schemeClr val="tx1"/>
+                </a:solidFill>
+              </a:rPr>
+              <a:t>I click on </a:t>
+            </a:r>
+            <a:r>
+              <a:rPr lang="en-US" sz="2400" b="1" dirty="0">
+                <a:solidFill>
+                  <a:schemeClr val="accent5"/>
+                </a:solidFill>
+              </a:rPr>
+              <a:t>“</a:t>
+            </a:r>
+            <a:r>
+              <a:rPr lang="en-US" sz="2400" b="1" dirty="0">
+                <a:solidFill>
+                  <a:schemeClr val="tx2">
+                    <a:lumMod val="40000"/>
+                    <a:lumOff val="60000"/>
                   </a:schemeClr>
                 </a:solidFill>
               </a:rPr>
-              <a:t>Vs</a:t>
-            </a:r>
-            <a:endParaRPr lang="en-US" b="1" dirty="0"/>
-          </a:p>
-          <a:p>
-            <a:pPr marL="0" indent="0">
-              <a:buNone/>
-            </a:pPr>
-            <a:r>
-              <a:rPr lang="en-US" b="1" dirty="0">
-                <a:solidFill>
-                  <a:schemeClr val="bg1">
-                    <a:lumMod val="65000"/>
+              <a:t>something</a:t>
+            </a:r>
+            <a:r>
+              <a:rPr lang="en-US" sz="2400" b="1" dirty="0">
+                <a:solidFill>
+                  <a:schemeClr val="accent5"/>
+                </a:solidFill>
+              </a:rPr>
+              <a:t>”</a:t>
+            </a:r>
+            <a:r>
+              <a:rPr lang="en-US" sz="2400" b="1" dirty="0">
+                <a:solidFill>
+                  <a:schemeClr val="tx1"/>
+                </a:solidFill>
+              </a:rPr>
+              <a:t> on the </a:t>
+            </a:r>
+            <a:r>
+              <a:rPr lang="en-US" sz="2400" b="1" dirty="0">
+                <a:solidFill>
+                  <a:schemeClr val="accent5"/>
+                </a:solidFill>
+              </a:rPr>
+              <a:t>“</a:t>
+            </a:r>
+            <a:r>
+              <a:rPr lang="en-US" sz="2400" b="1" dirty="0">
+                <a:solidFill>
+                  <a:schemeClr val="tx2">
+                    <a:lumMod val="40000"/>
+                    <a:lumOff val="60000"/>
                   </a:schemeClr>
                 </a:solidFill>
               </a:rPr>
-              <a:t>Then the "&lt;error&gt;" should be "</a:t>
-            </a:r>
-            <a:r>
-              <a:rPr lang="en-US" b="1" dirty="0">
-                <a:solidFill>
-                  <a:srgbClr val="00B0F0"/>
+              <a:t>somewhere</a:t>
+            </a:r>
+            <a:r>
+              <a:rPr lang="en-US" sz="2400" b="1" dirty="0">
+                <a:solidFill>
+                  <a:schemeClr val="accent5"/>
                 </a:solidFill>
               </a:rPr>
-              <a:t>visible</a:t>
-            </a:r>
-            <a:r>
-              <a:rPr lang="en-US" b="1" dirty="0">
-                <a:solidFill>
-                  <a:schemeClr val="bg1">
-                    <a:lumMod val="65000"/>
-                  </a:schemeClr>
+              <a:t>”</a:t>
+            </a:r>
+            <a:r>
+              <a:rPr lang="en-US" sz="2400" b="1" dirty="0">
+                <a:solidFill>
+                  <a:schemeClr val="tx1"/>
                 </a:solidFill>
               </a:rPr>
-              <a:t>" and contain "&lt;</a:t>
-            </a:r>
-            <a:r>
-              <a:rPr lang="en-US" b="1" dirty="0" err="1">
-                <a:solidFill>
-                  <a:schemeClr val="accent5"/>
-                </a:solidFill>
-              </a:rPr>
-              <a:t>expected_text</a:t>
-            </a:r>
-            <a:r>
-              <a:rPr lang="en-US" b="1" dirty="0">
-                <a:solidFill>
-                  <a:schemeClr val="bg1">
-                    <a:lumMod val="65000"/>
-                  </a:schemeClr>
-                </a:solidFill>
-              </a:rPr>
-              <a:t>&gt;"</a:t>
-            </a:r>
-          </a:p>
-          <a:p>
-            <a:pPr marL="0" indent="0">
-              <a:buNone/>
-            </a:pPr>
-            <a:r>
-              <a:rPr lang="en-US" b="1" dirty="0">
-                <a:solidFill>
-                  <a:schemeClr val="bg1">
-                    <a:lumMod val="65000"/>
-                  </a:schemeClr>
-                </a:solidFill>
-              </a:rPr>
-              <a:t>  Examples:</a:t>
-            </a:r>
-          </a:p>
-          <a:p>
-            <a:pPr marL="0" indent="0">
-              <a:buNone/>
-            </a:pPr>
-            <a:r>
-              <a:rPr lang="en-US" b="1" dirty="0">
-                <a:solidFill>
-                  <a:schemeClr val="bg1">
-                    <a:lumMod val="65000"/>
-                  </a:schemeClr>
-                </a:solidFill>
-              </a:rPr>
-              <a:t>	| error  | </a:t>
-            </a:r>
-            <a:r>
-              <a:rPr lang="en-US" b="1" dirty="0" err="1">
-                <a:solidFill>
-                  <a:schemeClr val="accent5"/>
-                </a:solidFill>
-              </a:rPr>
-              <a:t>expected_text</a:t>
-            </a:r>
-            <a:r>
-              <a:rPr lang="en-US" b="1" dirty="0">
-                <a:solidFill>
-                  <a:schemeClr val="bg1">
-                    <a:lumMod val="65000"/>
-                  </a:schemeClr>
-                </a:solidFill>
-              </a:rPr>
-              <a:t>  |</a:t>
-            </a:r>
-          </a:p>
-          <a:p>
-            <a:pPr marL="0" indent="0">
-              <a:buNone/>
-            </a:pPr>
-            <a:endParaRPr lang="en-US" b="1" dirty="0">
-              <a:solidFill>
-                <a:schemeClr val="bg1">
-                  <a:lumMod val="65000"/>
-                </a:schemeClr>
-              </a:solidFill>
-            </a:endParaRPr>
-          </a:p>
-          <a:p>
-            <a:pPr marL="0" indent="0">
-              <a:buNone/>
-            </a:pPr>
-            <a:r>
-              <a:rPr lang="en-US" b="1" dirty="0">
-                <a:solidFill>
-                  <a:schemeClr val="bg1">
-                    <a:lumMod val="65000"/>
-                  </a:schemeClr>
-                </a:solidFill>
-              </a:rPr>
-              <a:t>	Suggested: lowercase and underscore separated</a:t>
-            </a:r>
-            <a:endParaRPr lang="en-US" b="1" dirty="0"/>
+              <a:t> page</a:t>
+            </a:r>
           </a:p>
         </p:txBody>
       </p:sp>
     </p:spTree>
     <p:extLst>
       <p:ext uri="{BB962C8B-B14F-4D97-AF65-F5344CB8AC3E}">
-        <p14:creationId xmlns:p14="http://schemas.microsoft.com/office/powerpoint/2010/main" val="3946610571"/>
+        <p14:creationId xmlns:p14="http://schemas.microsoft.com/office/powerpoint/2010/main" val="1753970815"/>
       </p:ext>
     </p:extLst>
   </p:cSld>
@@ -17321,13 +17108,16 @@
                   <a:schemeClr val="accent5"/>
                 </a:solidFill>
               </a:rPr>
-              <a:t>Rule 4: Include all needed information as if the feature, scenario, or step were alone</a:t>
-            </a:r>
-            <a:endParaRPr lang="en-US" sz="2400" dirty="0">
-              <a:solidFill>
-                <a:schemeClr val="accent5"/>
-              </a:solidFill>
-            </a:endParaRPr>
+              <a:t>Rule 2: </a:t>
+            </a:r>
+            <a:r>
+              <a:rPr lang="en-US" sz="2400" dirty="0">
+                <a:solidFill>
+                  <a:schemeClr val="accent5"/>
+                </a:solidFill>
+              </a:rPr>
+              <a:t>Keep case consistent: lowercase recommended</a:t>
+            </a:r>
           </a:p>
           <a:p>
             <a:pPr marL="0" indent="0">
@@ -17343,12 +17133,18 @@
               <a:buNone/>
             </a:pPr>
             <a:r>
-              <a:rPr lang="en-US" b="1" dirty="0">
-                <a:solidFill>
-                  <a:schemeClr val="tx1"/>
+              <a:rPr lang="en-US" sz="2400" b="1" dirty="0">
+                <a:solidFill>
+                  <a:schemeClr val="bg1">
+                    <a:lumMod val="65000"/>
+                  </a:schemeClr>
                 </a:solidFill>
               </a:rPr>
-              <a:t>	When I click on "sign in "</a:t>
+              <a:t>Given</a:t>
+            </a:r>
+            <a:r>
+              <a:rPr lang="en-US" sz="2400" b="1" dirty="0"/>
+              <a:t> I Click on “Sign In link” on the “Home” page</a:t>
             </a:r>
           </a:p>
           <a:p>
@@ -17356,85 +17152,41 @@
               <a:buNone/>
             </a:pPr>
             <a:r>
-              <a:rPr lang="en-US" b="1" dirty="0">
-                <a:solidFill>
-                  <a:schemeClr val="tx1"/>
+              <a:rPr lang="en-US" sz="2400" b="1" dirty="0">
+                <a:solidFill>
+                  <a:schemeClr val="bg1">
+                    <a:lumMod val="65000"/>
+                  </a:schemeClr>
                 </a:solidFill>
               </a:rPr>
-              <a:t>	And I enter the "user0 " data</a:t>
+              <a:t>Given</a:t>
+            </a:r>
+            <a:r>
+              <a:rPr lang="en-US" sz="2400" b="1" dirty="0"/>
+              <a:t> I click on “Sign In link” on the “Home” page</a:t>
             </a:r>
           </a:p>
           <a:p>
             <a:pPr marL="0" indent="0">
               <a:buNone/>
             </a:pPr>
-            <a:r>
-              <a:rPr lang="en-US" b="1" dirty="0">
-                <a:solidFill>
-                  <a:schemeClr val="tx1"/>
-                </a:solidFill>
-              </a:rPr>
-              <a:t>                        vs</a:t>
-            </a:r>
+            <a:endParaRPr lang="en-US" sz="2400" b="1" dirty="0"/>
           </a:p>
           <a:p>
             <a:pPr marL="0" indent="0">
               <a:buNone/>
             </a:pPr>
             <a:r>
-              <a:rPr lang="en-US" b="1" dirty="0">
-                <a:solidFill>
-                  <a:schemeClr val="tx1"/>
-                </a:solidFill>
-              </a:rPr>
-              <a:t>	When I click on "sign in link" on the "home" page</a:t>
-            </a:r>
-          </a:p>
-          <a:p>
-            <a:pPr marL="0" indent="0">
-              <a:buNone/>
-            </a:pPr>
-            <a:r>
-              <a:rPr lang="en-US" b="1" dirty="0">
-                <a:solidFill>
-                  <a:schemeClr val="tx1"/>
-                </a:solidFill>
-              </a:rPr>
-              <a:t>	And I enter the "user0" data from the "</a:t>
-            </a:r>
-            <a:r>
-              <a:rPr lang="en-US" b="1" dirty="0" err="1">
-                <a:solidFill>
-                  <a:schemeClr val="tx1"/>
-                </a:solidFill>
-              </a:rPr>
-              <a:t>dev_users.json</a:t>
-            </a:r>
-            <a:r>
-              <a:rPr lang="en-US" b="1" dirty="0">
-                <a:solidFill>
-                  <a:schemeClr val="tx1"/>
-                </a:solidFill>
-              </a:rPr>
-              <a:t>" file</a:t>
-            </a:r>
-          </a:p>
-          <a:p>
-            <a:pPr marL="0" indent="0">
-              <a:buNone/>
-            </a:pPr>
-            <a:endParaRPr lang="en-US" b="1" dirty="0">
-              <a:solidFill>
-                <a:schemeClr val="tx1"/>
-              </a:solidFill>
-            </a:endParaRPr>
+              <a:rPr lang="en-US" sz="2400" b="1" dirty="0"/>
+              <a:t>These will not execute the same step</a:t>
+            </a:r>
           </a:p>
         </p:txBody>
       </p:sp>
     </p:spTree>
     <p:extLst>
       <p:ext uri="{BB962C8B-B14F-4D97-AF65-F5344CB8AC3E}">
-        <p14:creationId xmlns:p14="http://schemas.microsoft.com/office/powerpoint/2010/main" val="1119826518"/>
+        <p14:creationId xmlns:p14="http://schemas.microsoft.com/office/powerpoint/2010/main" val="1905832501"/>
       </p:ext>
     </p:extLst>
   </p:cSld>
@@ -18172,31 +17924,15 @@
                   <a:schemeClr val="accent5"/>
                 </a:solidFill>
               </a:rPr>
-              <a:t>Rule 5: </a:t>
-            </a:r>
-            <a:r>
-              <a:rPr lang="en-US" sz="2400" b="1">
+              <a:t>Rule 3: </a:t>
+            </a:r>
+            <a:r>
+              <a:rPr lang="en-US" sz="2400" dirty="0">
                 <a:solidFill>
                   <a:schemeClr val="accent5"/>
                 </a:solidFill>
               </a:rPr>
-              <a:t>D</a:t>
-            </a:r>
-            <a:r>
-              <a:rPr lang="en-US" sz="2400">
-                <a:solidFill>
-                  <a:schemeClr val="accent5"/>
-                </a:solidFill>
-              </a:rPr>
-              <a:t>on’t use Microsoft Word </a:t>
-            </a:r>
-            <a:r>
-              <a:rPr lang="en-US" sz="2400" dirty="0">
-                <a:solidFill>
-                  <a:schemeClr val="accent5"/>
-                </a:solidFill>
-              </a:rPr>
-              <a:t>to create your steps</a:t>
+              <a:t>Keep tables consistent</a:t>
             </a:r>
           </a:p>
           <a:p>
@@ -18220,13 +17956,16 @@
                   </a:schemeClr>
                 </a:solidFill>
               </a:rPr>
-              <a:t>When I click on "sign in link" on the "home" page</a:t>
-            </a:r>
-          </a:p>
-          <a:p>
-            <a:pPr marL="0" indent="0">
-              <a:buNone/>
-            </a:pPr>
+              <a:t>Then the "&lt;Error&gt;" should be "</a:t>
+            </a:r>
+            <a:r>
+              <a:rPr lang="en-US" b="1" dirty="0">
+                <a:solidFill>
+                  <a:srgbClr val="00B0F0"/>
+                </a:solidFill>
+              </a:rPr>
+              <a:t>visible</a:t>
+            </a:r>
             <a:r>
               <a:rPr lang="en-US" b="1" dirty="0">
                 <a:solidFill>
@@ -18235,7 +17974,140 @@
                   </a:schemeClr>
                 </a:solidFill>
               </a:rPr>
-              <a:t>When I click on “sign in link” on the “home” page</a:t>
+              <a:t>" and contain "&lt;</a:t>
+            </a:r>
+            <a:r>
+              <a:rPr lang="en-US" b="1" dirty="0">
+                <a:solidFill>
+                  <a:schemeClr val="accent5"/>
+                </a:solidFill>
+              </a:rPr>
+              <a:t>Expected  Text</a:t>
+            </a:r>
+            <a:r>
+              <a:rPr lang="en-US" b="1" dirty="0">
+                <a:solidFill>
+                  <a:schemeClr val="bg1">
+                    <a:lumMod val="65000"/>
+                  </a:schemeClr>
+                </a:solidFill>
+              </a:rPr>
+              <a:t>&gt;"</a:t>
+            </a:r>
+          </a:p>
+          <a:p>
+            <a:pPr marL="0" indent="0">
+              <a:buNone/>
+            </a:pPr>
+            <a:r>
+              <a:rPr lang="en-US" b="1" dirty="0">
+                <a:solidFill>
+                  <a:schemeClr val="bg1">
+                    <a:lumMod val="65000"/>
+                  </a:schemeClr>
+                </a:solidFill>
+              </a:rPr>
+              <a:t>Vs</a:t>
+            </a:r>
+            <a:endParaRPr lang="en-US" b="1" dirty="0"/>
+          </a:p>
+          <a:p>
+            <a:pPr marL="0" indent="0">
+              <a:buNone/>
+            </a:pPr>
+            <a:r>
+              <a:rPr lang="en-US" b="1" dirty="0">
+                <a:solidFill>
+                  <a:schemeClr val="bg1">
+                    <a:lumMod val="65000"/>
+                  </a:schemeClr>
+                </a:solidFill>
+              </a:rPr>
+              <a:t>Then the "&lt;error&gt;" should be "</a:t>
+            </a:r>
+            <a:r>
+              <a:rPr lang="en-US" b="1" dirty="0">
+                <a:solidFill>
+                  <a:srgbClr val="00B0F0"/>
+                </a:solidFill>
+              </a:rPr>
+              <a:t>visible</a:t>
+            </a:r>
+            <a:r>
+              <a:rPr lang="en-US" b="1" dirty="0">
+                <a:solidFill>
+                  <a:schemeClr val="bg1">
+                    <a:lumMod val="65000"/>
+                  </a:schemeClr>
+                </a:solidFill>
+              </a:rPr>
+              <a:t>" and contain "&lt;</a:t>
+            </a:r>
+            <a:r>
+              <a:rPr lang="en-US" b="1" dirty="0" err="1">
+                <a:solidFill>
+                  <a:schemeClr val="accent5"/>
+                </a:solidFill>
+              </a:rPr>
+              <a:t>expected_text</a:t>
+            </a:r>
+            <a:r>
+              <a:rPr lang="en-US" b="1" dirty="0">
+                <a:solidFill>
+                  <a:schemeClr val="bg1">
+                    <a:lumMod val="65000"/>
+                  </a:schemeClr>
+                </a:solidFill>
+              </a:rPr>
+              <a:t>&gt;"</a:t>
+            </a:r>
+          </a:p>
+          <a:p>
+            <a:pPr marL="0" indent="0">
+              <a:buNone/>
+            </a:pPr>
+            <a:r>
+              <a:rPr lang="en-US" b="1" dirty="0">
+                <a:solidFill>
+                  <a:schemeClr val="bg1">
+                    <a:lumMod val="65000"/>
+                  </a:schemeClr>
+                </a:solidFill>
+              </a:rPr>
+              <a:t>  Examples:</a:t>
+            </a:r>
+          </a:p>
+          <a:p>
+            <a:pPr marL="0" indent="0">
+              <a:buNone/>
+            </a:pPr>
+            <a:r>
+              <a:rPr lang="en-US" b="1" dirty="0">
+                <a:solidFill>
+                  <a:schemeClr val="bg1">
+                    <a:lumMod val="65000"/>
+                  </a:schemeClr>
+                </a:solidFill>
+              </a:rPr>
+              <a:t>	| error  | </a:t>
+            </a:r>
+            <a:r>
+              <a:rPr lang="en-US" b="1" dirty="0" err="1">
+                <a:solidFill>
+                  <a:schemeClr val="accent5"/>
+                </a:solidFill>
+              </a:rPr>
+              <a:t>expected_text</a:t>
+            </a:r>
+            <a:r>
+              <a:rPr lang="en-US" b="1" dirty="0">
+                <a:solidFill>
+                  <a:schemeClr val="bg1">
+                    <a:lumMod val="65000"/>
+                  </a:schemeClr>
+                </a:solidFill>
+              </a:rPr>
+              <a:t>  |</a:t>
             </a:r>
           </a:p>
           <a:p>
@@ -18262,15 +18134,16 @@
                   </a:schemeClr>
                 </a:solidFill>
               </a:rPr>
-              <a:t>- Microsoft uses smart quotes</a:t>
-            </a:r>
+              <a:t>	Suggested: lowercase and underscore separated</a:t>
+            </a:r>
+            <a:endParaRPr lang="en-US" b="1" dirty="0"/>
           </a:p>
         </p:txBody>
       </p:sp>
     </p:spTree>
     <p:extLst>
       <p:ext uri="{BB962C8B-B14F-4D97-AF65-F5344CB8AC3E}">
-        <p14:creationId xmlns:p14="http://schemas.microsoft.com/office/powerpoint/2010/main" val="911128740"/>
+        <p14:creationId xmlns:p14="http://schemas.microsoft.com/office/powerpoint/2010/main" val="3946610571"/>
       </p:ext>
     </p:extLst>
   </p:cSld>
@@ -18319,6 +18192,785 @@
           <a:p>
             <a:r>
               <a:rPr lang="en-US" dirty="0"/>
+              <a:t>Make your steps modular 	</a:t>
+            </a:r>
+          </a:p>
+        </p:txBody>
+      </p:sp>
+      <p:sp>
+        <p:nvSpPr>
+          <p:cNvPr id="6" name="Title 1"/>
+          <p:cNvSpPr txBox="1">
+            <a:spLocks/>
+          </p:cNvSpPr>
+          <p:nvPr/>
+        </p:nvSpPr>
+        <p:spPr>
+          <a:xfrm>
+            <a:off x="677334" y="77428"/>
+            <a:ext cx="1542083" cy="695417"/>
+          </a:xfrm>
+          <a:prstGeom prst="rect">
+            <a:avLst/>
+          </a:prstGeom>
+        </p:spPr>
+        <p:txBody>
+          <a:bodyPr vert="horz" lIns="91440" tIns="45720" rIns="91440" bIns="45720" rtlCol="0" anchor="t">
+            <a:normAutofit/>
+          </a:bodyPr>
+          <a:lstStyle>
+            <a:lvl1pPr algn="l" defTabSz="457200" rtl="0" eaLnBrk="1" latinLnBrk="0" hangingPunct="1">
+              <a:spcBef>
+                <a:spcPct val="0"/>
+              </a:spcBef>
+              <a:buNone/>
+              <a:defRPr sz="3600" kern="1200">
+                <a:solidFill>
+                  <a:schemeClr val="accent1"/>
+                </a:solidFill>
+                <a:latin typeface="+mj-lt"/>
+                <a:ea typeface="+mj-ea"/>
+                <a:cs typeface="+mj-cs"/>
+              </a:defRPr>
+            </a:lvl1pPr>
+            <a:lvl2pPr eaLnBrk="1" hangingPunct="1">
+              <a:defRPr>
+                <a:solidFill>
+                  <a:schemeClr val="tx2"/>
+                </a:solidFill>
+              </a:defRPr>
+            </a:lvl2pPr>
+            <a:lvl3pPr eaLnBrk="1" hangingPunct="1">
+              <a:defRPr>
+                <a:solidFill>
+                  <a:schemeClr val="tx2"/>
+                </a:solidFill>
+              </a:defRPr>
+            </a:lvl3pPr>
+            <a:lvl4pPr eaLnBrk="1" hangingPunct="1">
+              <a:defRPr>
+                <a:solidFill>
+                  <a:schemeClr val="tx2"/>
+                </a:solidFill>
+              </a:defRPr>
+            </a:lvl4pPr>
+            <a:lvl5pPr eaLnBrk="1" hangingPunct="1">
+              <a:defRPr>
+                <a:solidFill>
+                  <a:schemeClr val="tx2"/>
+                </a:solidFill>
+              </a:defRPr>
+            </a:lvl5pPr>
+            <a:lvl6pPr eaLnBrk="1" hangingPunct="1">
+              <a:defRPr>
+                <a:solidFill>
+                  <a:schemeClr val="tx2"/>
+                </a:solidFill>
+              </a:defRPr>
+            </a:lvl6pPr>
+            <a:lvl7pPr eaLnBrk="1" hangingPunct="1">
+              <a:defRPr>
+                <a:solidFill>
+                  <a:schemeClr val="tx2"/>
+                </a:solidFill>
+              </a:defRPr>
+            </a:lvl7pPr>
+            <a:lvl8pPr eaLnBrk="1" hangingPunct="1">
+              <a:defRPr>
+                <a:solidFill>
+                  <a:schemeClr val="tx2"/>
+                </a:solidFill>
+              </a:defRPr>
+            </a:lvl8pPr>
+            <a:lvl9pPr eaLnBrk="1" hangingPunct="1">
+              <a:defRPr>
+                <a:solidFill>
+                  <a:schemeClr val="tx2"/>
+                </a:solidFill>
+              </a:defRPr>
+            </a:lvl9pPr>
+          </a:lstStyle>
+          <a:p>
+            <a:endParaRPr lang="en-US" dirty="0"/>
+          </a:p>
+        </p:txBody>
+      </p:sp>
+      <p:sp>
+        <p:nvSpPr>
+          <p:cNvPr id="8" name="Title 1"/>
+          <p:cNvSpPr txBox="1">
+            <a:spLocks/>
+          </p:cNvSpPr>
+          <p:nvPr/>
+        </p:nvSpPr>
+        <p:spPr>
+          <a:xfrm>
+            <a:off x="348861" y="1386151"/>
+            <a:ext cx="1542083" cy="695417"/>
+          </a:xfrm>
+          <a:prstGeom prst="rect">
+            <a:avLst/>
+          </a:prstGeom>
+        </p:spPr>
+        <p:txBody>
+          <a:bodyPr vert="horz" lIns="91440" tIns="45720" rIns="91440" bIns="45720" rtlCol="0" anchor="t">
+            <a:normAutofit/>
+          </a:bodyPr>
+          <a:lstStyle>
+            <a:lvl1pPr algn="l" defTabSz="457200" rtl="0" eaLnBrk="1" latinLnBrk="0" hangingPunct="1">
+              <a:spcBef>
+                <a:spcPct val="0"/>
+              </a:spcBef>
+              <a:buNone/>
+              <a:defRPr sz="3600" kern="1200">
+                <a:solidFill>
+                  <a:schemeClr val="accent1"/>
+                </a:solidFill>
+                <a:latin typeface="+mj-lt"/>
+                <a:ea typeface="+mj-ea"/>
+                <a:cs typeface="+mj-cs"/>
+              </a:defRPr>
+            </a:lvl1pPr>
+            <a:lvl2pPr eaLnBrk="1" hangingPunct="1">
+              <a:defRPr>
+                <a:solidFill>
+                  <a:schemeClr val="tx2"/>
+                </a:solidFill>
+              </a:defRPr>
+            </a:lvl2pPr>
+            <a:lvl3pPr eaLnBrk="1" hangingPunct="1">
+              <a:defRPr>
+                <a:solidFill>
+                  <a:schemeClr val="tx2"/>
+                </a:solidFill>
+              </a:defRPr>
+            </a:lvl3pPr>
+            <a:lvl4pPr eaLnBrk="1" hangingPunct="1">
+              <a:defRPr>
+                <a:solidFill>
+                  <a:schemeClr val="tx2"/>
+                </a:solidFill>
+              </a:defRPr>
+            </a:lvl4pPr>
+            <a:lvl5pPr eaLnBrk="1" hangingPunct="1">
+              <a:defRPr>
+                <a:solidFill>
+                  <a:schemeClr val="tx2"/>
+                </a:solidFill>
+              </a:defRPr>
+            </a:lvl5pPr>
+            <a:lvl6pPr eaLnBrk="1" hangingPunct="1">
+              <a:defRPr>
+                <a:solidFill>
+                  <a:schemeClr val="tx2"/>
+                </a:solidFill>
+              </a:defRPr>
+            </a:lvl6pPr>
+            <a:lvl7pPr eaLnBrk="1" hangingPunct="1">
+              <a:defRPr>
+                <a:solidFill>
+                  <a:schemeClr val="tx2"/>
+                </a:solidFill>
+              </a:defRPr>
+            </a:lvl7pPr>
+            <a:lvl8pPr eaLnBrk="1" hangingPunct="1">
+              <a:defRPr>
+                <a:solidFill>
+                  <a:schemeClr val="tx2"/>
+                </a:solidFill>
+              </a:defRPr>
+            </a:lvl8pPr>
+            <a:lvl9pPr eaLnBrk="1" hangingPunct="1">
+              <a:defRPr>
+                <a:solidFill>
+                  <a:schemeClr val="tx2"/>
+                </a:solidFill>
+              </a:defRPr>
+            </a:lvl9pPr>
+          </a:lstStyle>
+          <a:p>
+            <a:r>
+              <a:rPr lang="en-US" dirty="0"/>
+              <a:t>How? </a:t>
+            </a:r>
+          </a:p>
+        </p:txBody>
+      </p:sp>
+      <p:sp>
+        <p:nvSpPr>
+          <p:cNvPr id="7" name="Content Placeholder 2"/>
+          <p:cNvSpPr>
+            <a:spLocks noGrp="1"/>
+          </p:cNvSpPr>
+          <p:nvPr>
+            <p:ph idx="1"/>
+          </p:nvPr>
+        </p:nvSpPr>
+        <p:spPr>
+          <a:xfrm>
+            <a:off x="106533" y="2162702"/>
+            <a:ext cx="9428085" cy="4610960"/>
+          </a:xfrm>
+        </p:spPr>
+        <p:txBody>
+          <a:bodyPr>
+            <a:normAutofit/>
+          </a:bodyPr>
+          <a:lstStyle/>
+          <a:p>
+            <a:pPr marL="0" indent="0">
+              <a:buNone/>
+            </a:pPr>
+            <a:r>
+              <a:rPr lang="en-US" sz="2400" b="1" dirty="0">
+                <a:solidFill>
+                  <a:schemeClr val="accent5"/>
+                </a:solidFill>
+              </a:rPr>
+              <a:t>Rule 4: Include all needed information as if the feature, scenario, or step were alone</a:t>
+            </a:r>
+            <a:endParaRPr lang="en-US" sz="2400" dirty="0">
+              <a:solidFill>
+                <a:schemeClr val="accent5"/>
+              </a:solidFill>
+            </a:endParaRPr>
+          </a:p>
+          <a:p>
+            <a:pPr marL="0" indent="0">
+              <a:buNone/>
+            </a:pPr>
+            <a:r>
+              <a:rPr lang="en-US" sz="2400" b="1" dirty="0"/>
+              <a:t>	Example:</a:t>
+            </a:r>
+          </a:p>
+          <a:p>
+            <a:pPr marL="0" indent="0">
+              <a:buNone/>
+            </a:pPr>
+            <a:r>
+              <a:rPr lang="en-US" b="1" dirty="0">
+                <a:solidFill>
+                  <a:schemeClr val="tx1"/>
+                </a:solidFill>
+              </a:rPr>
+              <a:t>	When I click on "sign in "</a:t>
+            </a:r>
+          </a:p>
+          <a:p>
+            <a:pPr marL="0" indent="0">
+              <a:buNone/>
+            </a:pPr>
+            <a:r>
+              <a:rPr lang="en-US" b="1" dirty="0">
+                <a:solidFill>
+                  <a:schemeClr val="tx1"/>
+                </a:solidFill>
+              </a:rPr>
+              <a:t>	And I enter the "user0 " data</a:t>
+            </a:r>
+          </a:p>
+          <a:p>
+            <a:pPr marL="0" indent="0">
+              <a:buNone/>
+            </a:pPr>
+            <a:r>
+              <a:rPr lang="en-US" b="1" dirty="0">
+                <a:solidFill>
+                  <a:schemeClr val="tx1"/>
+                </a:solidFill>
+              </a:rPr>
+              <a:t>                        vs</a:t>
+            </a:r>
+          </a:p>
+          <a:p>
+            <a:pPr marL="0" indent="0">
+              <a:buNone/>
+            </a:pPr>
+            <a:r>
+              <a:rPr lang="en-US" b="1" dirty="0">
+                <a:solidFill>
+                  <a:schemeClr val="tx1"/>
+                </a:solidFill>
+              </a:rPr>
+              <a:t>	When I click on "sign in link" on the "home" page</a:t>
+            </a:r>
+          </a:p>
+          <a:p>
+            <a:pPr marL="0" indent="0">
+              <a:buNone/>
+            </a:pPr>
+            <a:r>
+              <a:rPr lang="en-US" b="1" dirty="0">
+                <a:solidFill>
+                  <a:schemeClr val="tx1"/>
+                </a:solidFill>
+              </a:rPr>
+              <a:t>	And I enter the "user0" data from the "</a:t>
+            </a:r>
+            <a:r>
+              <a:rPr lang="en-US" b="1" dirty="0" err="1">
+                <a:solidFill>
+                  <a:schemeClr val="tx1"/>
+                </a:solidFill>
+              </a:rPr>
+              <a:t>dev_users.json</a:t>
+            </a:r>
+            <a:r>
+              <a:rPr lang="en-US" b="1" dirty="0">
+                <a:solidFill>
+                  <a:schemeClr val="tx1"/>
+                </a:solidFill>
+              </a:rPr>
+              <a:t>" file</a:t>
+            </a:r>
+          </a:p>
+          <a:p>
+            <a:pPr marL="0" indent="0">
+              <a:buNone/>
+            </a:pPr>
+            <a:endParaRPr lang="en-US" b="1" dirty="0">
+              <a:solidFill>
+                <a:schemeClr val="tx1"/>
+              </a:solidFill>
+            </a:endParaRPr>
+          </a:p>
+        </p:txBody>
+      </p:sp>
+    </p:spTree>
+    <p:extLst>
+      <p:ext uri="{BB962C8B-B14F-4D97-AF65-F5344CB8AC3E}">
+        <p14:creationId xmlns:p14="http://schemas.microsoft.com/office/powerpoint/2010/main" val="1119826518"/>
+      </p:ext>
+    </p:extLst>
+  </p:cSld>
+  <p:clrMapOvr>
+    <a:masterClrMapping/>
+  </p:clrMapOvr>
+</p:sld>
+</file>
+
+<file path=ppt/slides/slide32.xml><?xml version="1.0" encoding="utf-8"?>
+<p:sld xmlns:a="http://schemas.openxmlformats.org/drawingml/2006/main" xmlns:r="http://schemas.openxmlformats.org/officeDocument/2006/relationships" xmlns:p="http://schemas.openxmlformats.org/presentationml/2006/main">
+  <p:cSld>
+    <p:spTree>
+      <p:nvGrpSpPr>
+        <p:cNvPr id="1" name=""/>
+        <p:cNvGrpSpPr/>
+        <p:nvPr/>
+      </p:nvGrpSpPr>
+      <p:grpSpPr>
+        <a:xfrm>
+          <a:off x="0" y="0"/>
+          <a:ext cx="0" cy="0"/>
+          <a:chOff x="0" y="0"/>
+          <a:chExt cx="0" cy="0"/>
+        </a:xfrm>
+      </p:grpSpPr>
+      <p:sp>
+        <p:nvSpPr>
+          <p:cNvPr id="2" name="Title 1"/>
+          <p:cNvSpPr>
+            <a:spLocks noGrp="1"/>
+          </p:cNvSpPr>
+          <p:nvPr>
+            <p:ph type="title"/>
+          </p:nvPr>
+        </p:nvSpPr>
+        <p:spPr>
+          <a:xfrm>
+            <a:off x="677334" y="609600"/>
+            <a:ext cx="8596668" cy="695417"/>
+          </a:xfrm>
+        </p:spPr>
+        <p:txBody>
+          <a:bodyPr/>
+          <a:lstStyle/>
+          <a:p>
+            <a:r>
+              <a:rPr lang="en-US" dirty="0"/>
+              <a:t>Make your steps modular 	</a:t>
+            </a:r>
+          </a:p>
+        </p:txBody>
+      </p:sp>
+      <p:sp>
+        <p:nvSpPr>
+          <p:cNvPr id="6" name="Title 1"/>
+          <p:cNvSpPr txBox="1">
+            <a:spLocks/>
+          </p:cNvSpPr>
+          <p:nvPr/>
+        </p:nvSpPr>
+        <p:spPr>
+          <a:xfrm>
+            <a:off x="677334" y="77428"/>
+            <a:ext cx="1542083" cy="695417"/>
+          </a:xfrm>
+          <a:prstGeom prst="rect">
+            <a:avLst/>
+          </a:prstGeom>
+        </p:spPr>
+        <p:txBody>
+          <a:bodyPr vert="horz" lIns="91440" tIns="45720" rIns="91440" bIns="45720" rtlCol="0" anchor="t">
+            <a:normAutofit/>
+          </a:bodyPr>
+          <a:lstStyle>
+            <a:lvl1pPr algn="l" defTabSz="457200" rtl="0" eaLnBrk="1" latinLnBrk="0" hangingPunct="1">
+              <a:spcBef>
+                <a:spcPct val="0"/>
+              </a:spcBef>
+              <a:buNone/>
+              <a:defRPr sz="3600" kern="1200">
+                <a:solidFill>
+                  <a:schemeClr val="accent1"/>
+                </a:solidFill>
+                <a:latin typeface="+mj-lt"/>
+                <a:ea typeface="+mj-ea"/>
+                <a:cs typeface="+mj-cs"/>
+              </a:defRPr>
+            </a:lvl1pPr>
+            <a:lvl2pPr eaLnBrk="1" hangingPunct="1">
+              <a:defRPr>
+                <a:solidFill>
+                  <a:schemeClr val="tx2"/>
+                </a:solidFill>
+              </a:defRPr>
+            </a:lvl2pPr>
+            <a:lvl3pPr eaLnBrk="1" hangingPunct="1">
+              <a:defRPr>
+                <a:solidFill>
+                  <a:schemeClr val="tx2"/>
+                </a:solidFill>
+              </a:defRPr>
+            </a:lvl3pPr>
+            <a:lvl4pPr eaLnBrk="1" hangingPunct="1">
+              <a:defRPr>
+                <a:solidFill>
+                  <a:schemeClr val="tx2"/>
+                </a:solidFill>
+              </a:defRPr>
+            </a:lvl4pPr>
+            <a:lvl5pPr eaLnBrk="1" hangingPunct="1">
+              <a:defRPr>
+                <a:solidFill>
+                  <a:schemeClr val="tx2"/>
+                </a:solidFill>
+              </a:defRPr>
+            </a:lvl5pPr>
+            <a:lvl6pPr eaLnBrk="1" hangingPunct="1">
+              <a:defRPr>
+                <a:solidFill>
+                  <a:schemeClr val="tx2"/>
+                </a:solidFill>
+              </a:defRPr>
+            </a:lvl6pPr>
+            <a:lvl7pPr eaLnBrk="1" hangingPunct="1">
+              <a:defRPr>
+                <a:solidFill>
+                  <a:schemeClr val="tx2"/>
+                </a:solidFill>
+              </a:defRPr>
+            </a:lvl7pPr>
+            <a:lvl8pPr eaLnBrk="1" hangingPunct="1">
+              <a:defRPr>
+                <a:solidFill>
+                  <a:schemeClr val="tx2"/>
+                </a:solidFill>
+              </a:defRPr>
+            </a:lvl8pPr>
+            <a:lvl9pPr eaLnBrk="1" hangingPunct="1">
+              <a:defRPr>
+                <a:solidFill>
+                  <a:schemeClr val="tx2"/>
+                </a:solidFill>
+              </a:defRPr>
+            </a:lvl9pPr>
+          </a:lstStyle>
+          <a:p>
+            <a:endParaRPr lang="en-US" dirty="0"/>
+          </a:p>
+        </p:txBody>
+      </p:sp>
+      <p:sp>
+        <p:nvSpPr>
+          <p:cNvPr id="8" name="Title 1"/>
+          <p:cNvSpPr txBox="1">
+            <a:spLocks/>
+          </p:cNvSpPr>
+          <p:nvPr/>
+        </p:nvSpPr>
+        <p:spPr>
+          <a:xfrm>
+            <a:off x="348861" y="1386151"/>
+            <a:ext cx="1542083" cy="695417"/>
+          </a:xfrm>
+          <a:prstGeom prst="rect">
+            <a:avLst/>
+          </a:prstGeom>
+        </p:spPr>
+        <p:txBody>
+          <a:bodyPr vert="horz" lIns="91440" tIns="45720" rIns="91440" bIns="45720" rtlCol="0" anchor="t">
+            <a:normAutofit/>
+          </a:bodyPr>
+          <a:lstStyle>
+            <a:lvl1pPr algn="l" defTabSz="457200" rtl="0" eaLnBrk="1" latinLnBrk="0" hangingPunct="1">
+              <a:spcBef>
+                <a:spcPct val="0"/>
+              </a:spcBef>
+              <a:buNone/>
+              <a:defRPr sz="3600" kern="1200">
+                <a:solidFill>
+                  <a:schemeClr val="accent1"/>
+                </a:solidFill>
+                <a:latin typeface="+mj-lt"/>
+                <a:ea typeface="+mj-ea"/>
+                <a:cs typeface="+mj-cs"/>
+              </a:defRPr>
+            </a:lvl1pPr>
+            <a:lvl2pPr eaLnBrk="1" hangingPunct="1">
+              <a:defRPr>
+                <a:solidFill>
+                  <a:schemeClr val="tx2"/>
+                </a:solidFill>
+              </a:defRPr>
+            </a:lvl2pPr>
+            <a:lvl3pPr eaLnBrk="1" hangingPunct="1">
+              <a:defRPr>
+                <a:solidFill>
+                  <a:schemeClr val="tx2"/>
+                </a:solidFill>
+              </a:defRPr>
+            </a:lvl3pPr>
+            <a:lvl4pPr eaLnBrk="1" hangingPunct="1">
+              <a:defRPr>
+                <a:solidFill>
+                  <a:schemeClr val="tx2"/>
+                </a:solidFill>
+              </a:defRPr>
+            </a:lvl4pPr>
+            <a:lvl5pPr eaLnBrk="1" hangingPunct="1">
+              <a:defRPr>
+                <a:solidFill>
+                  <a:schemeClr val="tx2"/>
+                </a:solidFill>
+              </a:defRPr>
+            </a:lvl5pPr>
+            <a:lvl6pPr eaLnBrk="1" hangingPunct="1">
+              <a:defRPr>
+                <a:solidFill>
+                  <a:schemeClr val="tx2"/>
+                </a:solidFill>
+              </a:defRPr>
+            </a:lvl6pPr>
+            <a:lvl7pPr eaLnBrk="1" hangingPunct="1">
+              <a:defRPr>
+                <a:solidFill>
+                  <a:schemeClr val="tx2"/>
+                </a:solidFill>
+              </a:defRPr>
+            </a:lvl7pPr>
+            <a:lvl8pPr eaLnBrk="1" hangingPunct="1">
+              <a:defRPr>
+                <a:solidFill>
+                  <a:schemeClr val="tx2"/>
+                </a:solidFill>
+              </a:defRPr>
+            </a:lvl8pPr>
+            <a:lvl9pPr eaLnBrk="1" hangingPunct="1">
+              <a:defRPr>
+                <a:solidFill>
+                  <a:schemeClr val="tx2"/>
+                </a:solidFill>
+              </a:defRPr>
+            </a:lvl9pPr>
+          </a:lstStyle>
+          <a:p>
+            <a:r>
+              <a:rPr lang="en-US" dirty="0"/>
+              <a:t>How? </a:t>
+            </a:r>
+          </a:p>
+        </p:txBody>
+      </p:sp>
+      <p:sp>
+        <p:nvSpPr>
+          <p:cNvPr id="7" name="Content Placeholder 2"/>
+          <p:cNvSpPr>
+            <a:spLocks noGrp="1"/>
+          </p:cNvSpPr>
+          <p:nvPr>
+            <p:ph idx="1"/>
+          </p:nvPr>
+        </p:nvSpPr>
+        <p:spPr>
+          <a:xfrm>
+            <a:off x="106533" y="2162702"/>
+            <a:ext cx="9428085" cy="4610960"/>
+          </a:xfrm>
+        </p:spPr>
+        <p:txBody>
+          <a:bodyPr>
+            <a:normAutofit/>
+          </a:bodyPr>
+          <a:lstStyle/>
+          <a:p>
+            <a:pPr marL="0" indent="0">
+              <a:buNone/>
+            </a:pPr>
+            <a:r>
+              <a:rPr lang="en-US" sz="2400" b="1" dirty="0">
+                <a:solidFill>
+                  <a:schemeClr val="accent5"/>
+                </a:solidFill>
+              </a:rPr>
+              <a:t>Rule 5: </a:t>
+            </a:r>
+            <a:r>
+              <a:rPr lang="en-US" sz="2400" b="1">
+                <a:solidFill>
+                  <a:schemeClr val="accent5"/>
+                </a:solidFill>
+              </a:rPr>
+              <a:t>D</a:t>
+            </a:r>
+            <a:r>
+              <a:rPr lang="en-US" sz="2400">
+                <a:solidFill>
+                  <a:schemeClr val="accent5"/>
+                </a:solidFill>
+              </a:rPr>
+              <a:t>on’t use Microsoft Word </a:t>
+            </a:r>
+            <a:r>
+              <a:rPr lang="en-US" sz="2400" dirty="0">
+                <a:solidFill>
+                  <a:schemeClr val="accent5"/>
+                </a:solidFill>
+              </a:rPr>
+              <a:t>to create your steps</a:t>
+            </a:r>
+          </a:p>
+          <a:p>
+            <a:pPr marL="0" indent="0">
+              <a:buNone/>
+            </a:pPr>
+            <a:r>
+              <a:rPr lang="en-US" sz="2400" b="1" dirty="0"/>
+              <a:t>	Example:</a:t>
+            </a:r>
+          </a:p>
+          <a:p>
+            <a:pPr marL="0" indent="0">
+              <a:buNone/>
+            </a:pPr>
+            <a:r>
+              <a:rPr lang="en-US" b="1" dirty="0">
+                <a:solidFill>
+                  <a:schemeClr val="bg1">
+                    <a:lumMod val="65000"/>
+                  </a:schemeClr>
+                </a:solidFill>
+              </a:rPr>
+              <a:t>When I click on "sign in link" on the "home" page</a:t>
+            </a:r>
+          </a:p>
+          <a:p>
+            <a:pPr marL="0" indent="0">
+              <a:buNone/>
+            </a:pPr>
+            <a:r>
+              <a:rPr lang="en-US" b="1" dirty="0">
+                <a:solidFill>
+                  <a:schemeClr val="bg1">
+                    <a:lumMod val="65000"/>
+                  </a:schemeClr>
+                </a:solidFill>
+              </a:rPr>
+              <a:t>When I click on “sign in link” on the “home” page</a:t>
+            </a:r>
+          </a:p>
+          <a:p>
+            <a:pPr marL="0" indent="0">
+              <a:buNone/>
+            </a:pPr>
+            <a:endParaRPr lang="en-US" b="1" dirty="0">
+              <a:solidFill>
+                <a:schemeClr val="bg1">
+                  <a:lumMod val="65000"/>
+                </a:schemeClr>
+              </a:solidFill>
+            </a:endParaRPr>
+          </a:p>
+          <a:p>
+            <a:pPr marL="0" indent="0">
+              <a:buNone/>
+            </a:pPr>
+            <a:r>
+              <a:rPr lang="en-US" b="1" dirty="0">
+                <a:solidFill>
+                  <a:schemeClr val="bg1">
+                    <a:lumMod val="65000"/>
+                  </a:schemeClr>
+                </a:solidFill>
+              </a:rPr>
+              <a:t>- Microsoft uses smart quotes</a:t>
+            </a:r>
+          </a:p>
+        </p:txBody>
+      </p:sp>
+    </p:spTree>
+    <p:extLst>
+      <p:ext uri="{BB962C8B-B14F-4D97-AF65-F5344CB8AC3E}">
+        <p14:creationId xmlns:p14="http://schemas.microsoft.com/office/powerpoint/2010/main" val="911128740"/>
+      </p:ext>
+    </p:extLst>
+  </p:cSld>
+  <p:clrMapOvr>
+    <a:masterClrMapping/>
+  </p:clrMapOvr>
+</p:sld>
+</file>
+
+<file path=ppt/slides/slide33.xml><?xml version="1.0" encoding="utf-8"?>
+<p:sld xmlns:a="http://schemas.openxmlformats.org/drawingml/2006/main" xmlns:r="http://schemas.openxmlformats.org/officeDocument/2006/relationships" xmlns:p="http://schemas.openxmlformats.org/presentationml/2006/main">
+  <p:cSld>
+    <p:spTree>
+      <p:nvGrpSpPr>
+        <p:cNvPr id="1" name=""/>
+        <p:cNvGrpSpPr/>
+        <p:nvPr/>
+      </p:nvGrpSpPr>
+      <p:grpSpPr>
+        <a:xfrm>
+          <a:off x="0" y="0"/>
+          <a:ext cx="0" cy="0"/>
+          <a:chOff x="0" y="0"/>
+          <a:chExt cx="0" cy="0"/>
+        </a:xfrm>
+      </p:grpSpPr>
+      <p:sp>
+        <p:nvSpPr>
+          <p:cNvPr id="2" name="Title 1"/>
+          <p:cNvSpPr>
+            <a:spLocks noGrp="1"/>
+          </p:cNvSpPr>
+          <p:nvPr>
+            <p:ph type="title"/>
+          </p:nvPr>
+        </p:nvSpPr>
+        <p:spPr>
+          <a:xfrm>
+            <a:off x="677334" y="609600"/>
+            <a:ext cx="8596668" cy="695417"/>
+          </a:xfrm>
+        </p:spPr>
+        <p:txBody>
+          <a:bodyPr/>
+          <a:lstStyle/>
+          <a:p>
+            <a:r>
+              <a:rPr lang="en-US" dirty="0"/>
               <a:t>Other quick rules</a:t>
             </a:r>
           </a:p>
@@ -18692,7 +19344,7 @@
 </p:sld>
 </file>
 
-<file path=ppt/slides/slide32.xml><?xml version="1.0" encoding="utf-8"?>
+<file path=ppt/slides/slide34.xml><?xml version="1.0" encoding="utf-8"?>
 <p:sld xmlns:a="http://schemas.openxmlformats.org/drawingml/2006/main" xmlns:r="http://schemas.openxmlformats.org/officeDocument/2006/relationships" xmlns:p="http://schemas.openxmlformats.org/presentationml/2006/main">
   <p:cSld>
     <p:spTree>
